--- a/2. 데이터베이스 프로그래밍 실습2.pptx
+++ b/2. 데이터베이스 프로그래밍 실습2.pptx
@@ -8,21 +8,29 @@
     <p:sldId id="256" r:id="rId2"/>
     <p:sldId id="262" r:id="rId3"/>
     <p:sldId id="263" r:id="rId4"/>
-    <p:sldId id="257" r:id="rId5"/>
-    <p:sldId id="258" r:id="rId6"/>
-    <p:sldId id="259" r:id="rId7"/>
-    <p:sldId id="260" r:id="rId8"/>
-    <p:sldId id="261" r:id="rId9"/>
-    <p:sldId id="264" r:id="rId10"/>
-    <p:sldId id="265" r:id="rId11"/>
-    <p:sldId id="266" r:id="rId12"/>
-    <p:sldId id="267" r:id="rId13"/>
-    <p:sldId id="268" r:id="rId14"/>
-    <p:sldId id="270" r:id="rId15"/>
-    <p:sldId id="271" r:id="rId16"/>
-    <p:sldId id="272" r:id="rId17"/>
-    <p:sldId id="269" r:id="rId18"/>
-    <p:sldId id="273" r:id="rId19"/>
+    <p:sldId id="274" r:id="rId5"/>
+    <p:sldId id="257" r:id="rId6"/>
+    <p:sldId id="258" r:id="rId7"/>
+    <p:sldId id="259" r:id="rId8"/>
+    <p:sldId id="260" r:id="rId9"/>
+    <p:sldId id="261" r:id="rId10"/>
+    <p:sldId id="264" r:id="rId11"/>
+    <p:sldId id="265" r:id="rId12"/>
+    <p:sldId id="266" r:id="rId13"/>
+    <p:sldId id="267" r:id="rId14"/>
+    <p:sldId id="268" r:id="rId15"/>
+    <p:sldId id="270" r:id="rId16"/>
+    <p:sldId id="271" r:id="rId17"/>
+    <p:sldId id="272" r:id="rId18"/>
+    <p:sldId id="275" r:id="rId19"/>
+    <p:sldId id="276" r:id="rId20"/>
+    <p:sldId id="277" r:id="rId21"/>
+    <p:sldId id="278" r:id="rId22"/>
+    <p:sldId id="269" r:id="rId23"/>
+    <p:sldId id="281" r:id="rId24"/>
+    <p:sldId id="273" r:id="rId25"/>
+    <p:sldId id="279" r:id="rId26"/>
+    <p:sldId id="280" r:id="rId27"/>
   </p:sldIdLst>
   <p:sldSz cx="12192000" cy="6858000"/>
   <p:notesSz cx="6858000" cy="9144000"/>
@@ -3740,15 +3748,47 @@
           <a:p>
             <a:r>
               <a:rPr lang="en-US" altLang="ko-KR" dirty="0"/>
-              <a:t>2-2. </a:t>
+              <a:t>2-1. </a:t>
             </a:r>
             <a:r>
               <a:rPr lang="ko-KR" altLang="en-US" dirty="0"/>
-              <a:t>과목 테이블 만들기</a:t>
-            </a:r>
-          </a:p>
-        </p:txBody>
-      </p:sp>
+              <a:t>학생 테이블 만들기</a:t>
+            </a:r>
+          </a:p>
+        </p:txBody>
+      </p:sp>
+      <p:pic>
+        <p:nvPicPr>
+          <p:cNvPr id="4" name="내용 개체 틀 3">
+            <a:extLst>
+              <a:ext uri="{FF2B5EF4-FFF2-40B4-BE49-F238E27FC236}">
+                <a16:creationId xmlns:a16="http://schemas.microsoft.com/office/drawing/2014/main" id="{98C9B124-BF23-4C97-B459-EFD03B55F701}"/>
+              </a:ext>
+            </a:extLst>
+          </p:cNvPr>
+          <p:cNvPicPr>
+            <a:picLocks noGrp="1" noChangeAspect="1"/>
+          </p:cNvPicPr>
+          <p:nvPr>
+            <p:ph idx="1"/>
+          </p:nvPr>
+        </p:nvPicPr>
+        <p:blipFill>
+          <a:blip r:embed="rId2"/>
+          <a:stretch>
+            <a:fillRect/>
+          </a:stretch>
+        </p:blipFill>
+        <p:spPr>
+          <a:xfrm>
+            <a:off x="1041401" y="2024062"/>
+            <a:ext cx="9547904" cy="4468813"/>
+          </a:xfrm>
+          <a:prstGeom prst="rect">
+            <a:avLst/>
+          </a:prstGeom>
+        </p:spPr>
+      </p:pic>
       <p:cxnSp>
         <p:nvCxnSpPr>
           <p:cNvPr id="5" name="직선 연결선 4">
@@ -3836,107 +3876,10 @@
           </a:fontRef>
         </p:style>
       </p:cxnSp>
-      <p:pic>
-        <p:nvPicPr>
-          <p:cNvPr id="7" name="그림 6">
-            <a:extLst>
-              <a:ext uri="{FF2B5EF4-FFF2-40B4-BE49-F238E27FC236}">
-                <a16:creationId xmlns:a16="http://schemas.microsoft.com/office/drawing/2014/main" id="{83124F03-DBF8-45E0-91F0-05C2D8969565}"/>
-              </a:ext>
-            </a:extLst>
-          </p:cNvPr>
-          <p:cNvPicPr>
-            <a:picLocks noChangeAspect="1"/>
-          </p:cNvPicPr>
-          <p:nvPr/>
-        </p:nvPicPr>
-        <p:blipFill>
-          <a:blip r:embed="rId2"/>
-          <a:stretch>
-            <a:fillRect/>
-          </a:stretch>
-        </p:blipFill>
-        <p:spPr>
-          <a:xfrm>
-            <a:off x="8491468" y="901700"/>
-            <a:ext cx="3141732" cy="723097"/>
-          </a:xfrm>
-          <a:prstGeom prst="rect">
-            <a:avLst/>
-          </a:prstGeom>
-        </p:spPr>
-      </p:pic>
-      <p:sp>
-        <p:nvSpPr>
-          <p:cNvPr id="8" name="TextBox 7">
-            <a:extLst>
-              <a:ext uri="{FF2B5EF4-FFF2-40B4-BE49-F238E27FC236}">
-                <a16:creationId xmlns:a16="http://schemas.microsoft.com/office/drawing/2014/main" id="{BF88B656-04E0-4DF1-AA48-23C7AE7B13AF}"/>
-              </a:ext>
-            </a:extLst>
-          </p:cNvPr>
-          <p:cNvSpPr txBox="1"/>
-          <p:nvPr/>
-        </p:nvSpPr>
-        <p:spPr>
-          <a:xfrm>
-            <a:off x="8491468" y="462916"/>
-            <a:ext cx="1189749" cy="369332"/>
-          </a:xfrm>
-          <a:prstGeom prst="rect">
-            <a:avLst/>
-          </a:prstGeom>
-          <a:noFill/>
-        </p:spPr>
-        <p:txBody>
-          <a:bodyPr wrap="none" rtlCol="0">
-            <a:spAutoFit/>
-          </a:bodyPr>
-          <a:lstStyle/>
-          <a:p>
-            <a:r>
-              <a:rPr lang="ko-KR" altLang="en-US" dirty="0"/>
-              <a:t>파일 이름</a:t>
-            </a:r>
-          </a:p>
-        </p:txBody>
-      </p:sp>
-      <p:pic>
-        <p:nvPicPr>
-          <p:cNvPr id="11" name="내용 개체 틀 10">
-            <a:extLst>
-              <a:ext uri="{FF2B5EF4-FFF2-40B4-BE49-F238E27FC236}">
-                <a16:creationId xmlns:a16="http://schemas.microsoft.com/office/drawing/2014/main" id="{0B28F6E2-4C48-4B27-8E16-F532E0C35459}"/>
-              </a:ext>
-            </a:extLst>
-          </p:cNvPr>
-          <p:cNvPicPr>
-            <a:picLocks noGrp="1" noChangeAspect="1"/>
-          </p:cNvPicPr>
-          <p:nvPr>
-            <p:ph idx="1"/>
-          </p:nvPr>
-        </p:nvPicPr>
-        <p:blipFill>
-          <a:blip r:embed="rId3"/>
-          <a:stretch>
-            <a:fillRect/>
-          </a:stretch>
-        </p:blipFill>
-        <p:spPr>
-          <a:xfrm>
-            <a:off x="1041401" y="1706164"/>
-            <a:ext cx="10773718" cy="3754836"/>
-          </a:xfrm>
-          <a:prstGeom prst="rect">
-            <a:avLst/>
-          </a:prstGeom>
-        </p:spPr>
-      </p:pic>
     </p:spTree>
     <p:extLst>
       <p:ext uri="{BB962C8B-B14F-4D97-AF65-F5344CB8AC3E}">
-        <p14:creationId xmlns:p14="http://schemas.microsoft.com/office/powerpoint/2010/main" val="2241759799"/>
+        <p14:creationId xmlns:p14="http://schemas.microsoft.com/office/powerpoint/2010/main" val="1461165254"/>
       </p:ext>
     </p:extLst>
   </p:cSld>
@@ -3995,38 +3938,6 @@
           </a:p>
         </p:txBody>
       </p:sp>
-      <p:pic>
-        <p:nvPicPr>
-          <p:cNvPr id="4" name="내용 개체 틀 3">
-            <a:extLst>
-              <a:ext uri="{FF2B5EF4-FFF2-40B4-BE49-F238E27FC236}">
-                <a16:creationId xmlns:a16="http://schemas.microsoft.com/office/drawing/2014/main" id="{2A29A337-8C39-4F89-819A-778647DF9CC0}"/>
-              </a:ext>
-            </a:extLst>
-          </p:cNvPr>
-          <p:cNvPicPr>
-            <a:picLocks noGrp="1" noChangeAspect="1"/>
-          </p:cNvPicPr>
-          <p:nvPr>
-            <p:ph idx="1"/>
-          </p:nvPr>
-        </p:nvPicPr>
-        <p:blipFill>
-          <a:blip r:embed="rId2"/>
-          <a:stretch>
-            <a:fillRect/>
-          </a:stretch>
-        </p:blipFill>
-        <p:spPr>
-          <a:xfrm>
-            <a:off x="838199" y="1978025"/>
-            <a:ext cx="9642019" cy="3749674"/>
-          </a:xfrm>
-          <a:prstGeom prst="rect">
-            <a:avLst/>
-          </a:prstGeom>
-        </p:spPr>
-      </p:pic>
       <p:cxnSp>
         <p:nvCxnSpPr>
           <p:cNvPr id="5" name="직선 연결선 4">
@@ -4114,10 +4025,107 @@
           </a:fontRef>
         </p:style>
       </p:cxnSp>
+      <p:pic>
+        <p:nvPicPr>
+          <p:cNvPr id="7" name="그림 6">
+            <a:extLst>
+              <a:ext uri="{FF2B5EF4-FFF2-40B4-BE49-F238E27FC236}">
+                <a16:creationId xmlns:a16="http://schemas.microsoft.com/office/drawing/2014/main" id="{83124F03-DBF8-45E0-91F0-05C2D8969565}"/>
+              </a:ext>
+            </a:extLst>
+          </p:cNvPr>
+          <p:cNvPicPr>
+            <a:picLocks noChangeAspect="1"/>
+          </p:cNvPicPr>
+          <p:nvPr/>
+        </p:nvPicPr>
+        <p:blipFill>
+          <a:blip r:embed="rId2"/>
+          <a:stretch>
+            <a:fillRect/>
+          </a:stretch>
+        </p:blipFill>
+        <p:spPr>
+          <a:xfrm>
+            <a:off x="8491468" y="901700"/>
+            <a:ext cx="3141732" cy="723097"/>
+          </a:xfrm>
+          <a:prstGeom prst="rect">
+            <a:avLst/>
+          </a:prstGeom>
+        </p:spPr>
+      </p:pic>
+      <p:sp>
+        <p:nvSpPr>
+          <p:cNvPr id="8" name="TextBox 7">
+            <a:extLst>
+              <a:ext uri="{FF2B5EF4-FFF2-40B4-BE49-F238E27FC236}">
+                <a16:creationId xmlns:a16="http://schemas.microsoft.com/office/drawing/2014/main" id="{BF88B656-04E0-4DF1-AA48-23C7AE7B13AF}"/>
+              </a:ext>
+            </a:extLst>
+          </p:cNvPr>
+          <p:cNvSpPr txBox="1"/>
+          <p:nvPr/>
+        </p:nvSpPr>
+        <p:spPr>
+          <a:xfrm>
+            <a:off x="8491468" y="462916"/>
+            <a:ext cx="1189749" cy="369332"/>
+          </a:xfrm>
+          <a:prstGeom prst="rect">
+            <a:avLst/>
+          </a:prstGeom>
+          <a:noFill/>
+        </p:spPr>
+        <p:txBody>
+          <a:bodyPr wrap="none" rtlCol="0">
+            <a:spAutoFit/>
+          </a:bodyPr>
+          <a:lstStyle/>
+          <a:p>
+            <a:r>
+              <a:rPr lang="ko-KR" altLang="en-US" dirty="0"/>
+              <a:t>파일 이름</a:t>
+            </a:r>
+          </a:p>
+        </p:txBody>
+      </p:sp>
+      <p:pic>
+        <p:nvPicPr>
+          <p:cNvPr id="11" name="내용 개체 틀 10">
+            <a:extLst>
+              <a:ext uri="{FF2B5EF4-FFF2-40B4-BE49-F238E27FC236}">
+                <a16:creationId xmlns:a16="http://schemas.microsoft.com/office/drawing/2014/main" id="{0B28F6E2-4C48-4B27-8E16-F532E0C35459}"/>
+              </a:ext>
+            </a:extLst>
+          </p:cNvPr>
+          <p:cNvPicPr>
+            <a:picLocks noGrp="1" noChangeAspect="1"/>
+          </p:cNvPicPr>
+          <p:nvPr>
+            <p:ph idx="1"/>
+          </p:nvPr>
+        </p:nvPicPr>
+        <p:blipFill>
+          <a:blip r:embed="rId3"/>
+          <a:stretch>
+            <a:fillRect/>
+          </a:stretch>
+        </p:blipFill>
+        <p:spPr>
+          <a:xfrm>
+            <a:off x="1041401" y="1706164"/>
+            <a:ext cx="10773718" cy="3754836"/>
+          </a:xfrm>
+          <a:prstGeom prst="rect">
+            <a:avLst/>
+          </a:prstGeom>
+        </p:spPr>
+      </p:pic>
     </p:spTree>
     <p:extLst>
       <p:ext uri="{BB962C8B-B14F-4D97-AF65-F5344CB8AC3E}">
-        <p14:creationId xmlns:p14="http://schemas.microsoft.com/office/powerpoint/2010/main" val="1528895295"/>
+        <p14:creationId xmlns:p14="http://schemas.microsoft.com/office/powerpoint/2010/main" val="2241759799"/>
       </p:ext>
     </p:extLst>
   </p:cSld>
@@ -4167,17 +4175,12 @@
           <a:p>
             <a:r>
               <a:rPr lang="en-US" altLang="ko-KR" dirty="0"/>
-              <a:t>2-3. </a:t>
+              <a:t>2-2. </a:t>
             </a:r>
             <a:r>
               <a:rPr lang="ko-KR" altLang="en-US" dirty="0"/>
-              <a:t>수강 테이블 만들기</a:t>
-            </a:r>
-            <a:r>
-              <a:rPr lang="en-US" altLang="ko-KR" dirty="0"/>
-              <a:t> </a:t>
-            </a:r>
-            <a:endParaRPr lang="ko-KR" altLang="en-US" dirty="0"/>
+              <a:t>과목 테이블 만들기</a:t>
+            </a:r>
           </a:p>
         </p:txBody>
       </p:sp>
@@ -4186,7 +4189,7 @@
           <p:cNvPr id="4" name="내용 개체 틀 3">
             <a:extLst>
               <a:ext uri="{FF2B5EF4-FFF2-40B4-BE49-F238E27FC236}">
-                <a16:creationId xmlns:a16="http://schemas.microsoft.com/office/drawing/2014/main" id="{B4CEDD51-7139-4D44-A754-E31B5A3C0ABE}"/>
+                <a16:creationId xmlns:a16="http://schemas.microsoft.com/office/drawing/2014/main" id="{2A29A337-8C39-4F89-819A-778647DF9CC0}"/>
               </a:ext>
             </a:extLst>
           </p:cNvPr>
@@ -4205,8 +4208,8 @@
         </p:blipFill>
         <p:spPr>
           <a:xfrm>
-            <a:off x="1041401" y="1698625"/>
-            <a:ext cx="10815798" cy="4140113"/>
+            <a:off x="838199" y="1978025"/>
+            <a:ext cx="9642019" cy="3749674"/>
           </a:xfrm>
           <a:prstGeom prst="rect">
             <a:avLst/>
@@ -4300,75 +4303,10 @@
           </a:fontRef>
         </p:style>
       </p:cxnSp>
-      <p:pic>
-        <p:nvPicPr>
-          <p:cNvPr id="7" name="그림 6">
-            <a:extLst>
-              <a:ext uri="{FF2B5EF4-FFF2-40B4-BE49-F238E27FC236}">
-                <a16:creationId xmlns:a16="http://schemas.microsoft.com/office/drawing/2014/main" id="{FE3A0A73-D1D3-4F6C-9351-AC88EF0E6C7E}"/>
-              </a:ext>
-            </a:extLst>
-          </p:cNvPr>
-          <p:cNvPicPr>
-            <a:picLocks noChangeAspect="1"/>
-          </p:cNvPicPr>
-          <p:nvPr/>
-        </p:nvPicPr>
-        <p:blipFill>
-          <a:blip r:embed="rId3"/>
-          <a:stretch>
-            <a:fillRect/>
-          </a:stretch>
-        </p:blipFill>
-        <p:spPr>
-          <a:xfrm>
-            <a:off x="9159142" y="879342"/>
-            <a:ext cx="2474058" cy="543543"/>
-          </a:xfrm>
-          <a:prstGeom prst="rect">
-            <a:avLst/>
-          </a:prstGeom>
-        </p:spPr>
-      </p:pic>
-      <p:sp>
-        <p:nvSpPr>
-          <p:cNvPr id="8" name="TextBox 7">
-            <a:extLst>
-              <a:ext uri="{FF2B5EF4-FFF2-40B4-BE49-F238E27FC236}">
-                <a16:creationId xmlns:a16="http://schemas.microsoft.com/office/drawing/2014/main" id="{C376D9D1-F382-45BD-ADBB-842F66EF42DF}"/>
-              </a:ext>
-            </a:extLst>
-          </p:cNvPr>
-          <p:cNvSpPr txBox="1"/>
-          <p:nvPr/>
-        </p:nvSpPr>
-        <p:spPr>
-          <a:xfrm>
-            <a:off x="9159142" y="437568"/>
-            <a:ext cx="1189749" cy="369332"/>
-          </a:xfrm>
-          <a:prstGeom prst="rect">
-            <a:avLst/>
-          </a:prstGeom>
-          <a:noFill/>
-        </p:spPr>
-        <p:txBody>
-          <a:bodyPr wrap="none" rtlCol="0">
-            <a:spAutoFit/>
-          </a:bodyPr>
-          <a:lstStyle/>
-          <a:p>
-            <a:r>
-              <a:rPr lang="ko-KR" altLang="en-US" dirty="0"/>
-              <a:t>파일 이름</a:t>
-            </a:r>
-          </a:p>
-        </p:txBody>
-      </p:sp>
     </p:spTree>
     <p:extLst>
       <p:ext uri="{BB962C8B-B14F-4D97-AF65-F5344CB8AC3E}">
-        <p14:creationId xmlns:p14="http://schemas.microsoft.com/office/powerpoint/2010/main" val="1511311685"/>
+        <p14:creationId xmlns:p14="http://schemas.microsoft.com/office/powerpoint/2010/main" val="1528895295"/>
       </p:ext>
     </p:extLst>
   </p:cSld>
@@ -4437,7 +4375,7 @@
           <p:cNvPr id="4" name="내용 개체 틀 3">
             <a:extLst>
               <a:ext uri="{FF2B5EF4-FFF2-40B4-BE49-F238E27FC236}">
-                <a16:creationId xmlns:a16="http://schemas.microsoft.com/office/drawing/2014/main" id="{634EB164-E99B-4CDD-8592-1085CEC80397}"/>
+                <a16:creationId xmlns:a16="http://schemas.microsoft.com/office/drawing/2014/main" id="{B4CEDD51-7139-4D44-A754-E31B5A3C0ABE}"/>
               </a:ext>
             </a:extLst>
           </p:cNvPr>
@@ -4456,8 +4394,8 @@
         </p:blipFill>
         <p:spPr>
           <a:xfrm>
-            <a:off x="900898" y="1690688"/>
-            <a:ext cx="6070349" cy="2728086"/>
+            <a:off x="1041401" y="1698625"/>
+            <a:ext cx="10815798" cy="4140113"/>
           </a:xfrm>
           <a:prstGeom prst="rect">
             <a:avLst/>
@@ -4556,7 +4494,7 @@
           <p:cNvPr id="7" name="그림 6">
             <a:extLst>
               <a:ext uri="{FF2B5EF4-FFF2-40B4-BE49-F238E27FC236}">
-                <a16:creationId xmlns:a16="http://schemas.microsoft.com/office/drawing/2014/main" id="{0EFFCE4A-914E-4015-8BB3-C8B6063E3178}"/>
+                <a16:creationId xmlns:a16="http://schemas.microsoft.com/office/drawing/2014/main" id="{FE3A0A73-D1D3-4F6C-9351-AC88EF0E6C7E}"/>
               </a:ext>
             </a:extLst>
           </p:cNvPr>
@@ -4573,18 +4511,53 @@
         </p:blipFill>
         <p:spPr>
           <a:xfrm>
-            <a:off x="900897" y="4623561"/>
-            <a:ext cx="8553493" cy="1978575"/>
+            <a:off x="9159142" y="879342"/>
+            <a:ext cx="2474058" cy="543543"/>
           </a:xfrm>
           <a:prstGeom prst="rect">
             <a:avLst/>
           </a:prstGeom>
         </p:spPr>
       </p:pic>
+      <p:sp>
+        <p:nvSpPr>
+          <p:cNvPr id="8" name="TextBox 7">
+            <a:extLst>
+              <a:ext uri="{FF2B5EF4-FFF2-40B4-BE49-F238E27FC236}">
+                <a16:creationId xmlns:a16="http://schemas.microsoft.com/office/drawing/2014/main" id="{C376D9D1-F382-45BD-ADBB-842F66EF42DF}"/>
+              </a:ext>
+            </a:extLst>
+          </p:cNvPr>
+          <p:cNvSpPr txBox="1"/>
+          <p:nvPr/>
+        </p:nvSpPr>
+        <p:spPr>
+          <a:xfrm>
+            <a:off x="9159142" y="437568"/>
+            <a:ext cx="1189749" cy="369332"/>
+          </a:xfrm>
+          <a:prstGeom prst="rect">
+            <a:avLst/>
+          </a:prstGeom>
+          <a:noFill/>
+        </p:spPr>
+        <p:txBody>
+          <a:bodyPr wrap="none" rtlCol="0">
+            <a:spAutoFit/>
+          </a:bodyPr>
+          <a:lstStyle/>
+          <a:p>
+            <a:r>
+              <a:rPr lang="ko-KR" altLang="en-US" dirty="0"/>
+              <a:t>파일 이름</a:t>
+            </a:r>
+          </a:p>
+        </p:txBody>
+      </p:sp>
     </p:spTree>
     <p:extLst>
       <p:ext uri="{BB962C8B-B14F-4D97-AF65-F5344CB8AC3E}">
-        <p14:creationId xmlns:p14="http://schemas.microsoft.com/office/powerpoint/2010/main" val="183939788"/>
+        <p14:creationId xmlns:p14="http://schemas.microsoft.com/office/powerpoint/2010/main" val="1511311685"/>
       </p:ext>
     </p:extLst>
   </p:cSld>
@@ -4634,20 +4607,17 @@
           <a:p>
             <a:r>
               <a:rPr lang="en-US" altLang="ko-KR" dirty="0"/>
-              <a:t>3-1. </a:t>
+              <a:t>2-3. </a:t>
             </a:r>
             <a:r>
               <a:rPr lang="ko-KR" altLang="en-US" dirty="0"/>
-              <a:t>과목 </a:t>
+              <a:t>수강 테이블 만들기</a:t>
             </a:r>
             <a:r>
               <a:rPr lang="en-US" altLang="ko-KR" dirty="0"/>
-              <a:t>Table </a:t>
-            </a:r>
-            <a:r>
-              <a:rPr lang="ko-KR" altLang="en-US" dirty="0"/>
-              <a:t>입력</a:t>
-            </a:r>
+              <a:t> </a:t>
+            </a:r>
+            <a:endParaRPr lang="ko-KR" altLang="en-US" dirty="0"/>
           </a:p>
         </p:txBody>
       </p:sp>
@@ -4656,7 +4626,7 @@
           <p:cNvPr id="4" name="내용 개체 틀 3">
             <a:extLst>
               <a:ext uri="{FF2B5EF4-FFF2-40B4-BE49-F238E27FC236}">
-                <a16:creationId xmlns:a16="http://schemas.microsoft.com/office/drawing/2014/main" id="{C8ED92F9-6E53-4EC8-8A67-E84626771B31}"/>
+                <a16:creationId xmlns:a16="http://schemas.microsoft.com/office/drawing/2014/main" id="{634EB164-E99B-4CDD-8592-1085CEC80397}"/>
               </a:ext>
             </a:extLst>
           </p:cNvPr>
@@ -4675,8 +4645,8 @@
         </p:blipFill>
         <p:spPr>
           <a:xfrm>
-            <a:off x="1041401" y="1738312"/>
-            <a:ext cx="10515597" cy="4637088"/>
+            <a:off x="900898" y="1690688"/>
+            <a:ext cx="6070349" cy="2728086"/>
           </a:xfrm>
           <a:prstGeom prst="rect">
             <a:avLst/>
@@ -4775,7 +4745,7 @@
           <p:cNvPr id="7" name="그림 6">
             <a:extLst>
               <a:ext uri="{FF2B5EF4-FFF2-40B4-BE49-F238E27FC236}">
-                <a16:creationId xmlns:a16="http://schemas.microsoft.com/office/drawing/2014/main" id="{51FC9325-7150-4A9F-A8EE-DE7E7D46363C}"/>
+                <a16:creationId xmlns:a16="http://schemas.microsoft.com/office/drawing/2014/main" id="{0EFFCE4A-914E-4015-8BB3-C8B6063E3178}"/>
               </a:ext>
             </a:extLst>
           </p:cNvPr>
@@ -4792,53 +4762,18 @@
         </p:blipFill>
         <p:spPr>
           <a:xfrm>
-            <a:off x="8814479" y="749313"/>
-            <a:ext cx="2539321" cy="688963"/>
+            <a:off x="900897" y="4623561"/>
+            <a:ext cx="8553493" cy="1978575"/>
           </a:xfrm>
           <a:prstGeom prst="rect">
             <a:avLst/>
           </a:prstGeom>
         </p:spPr>
       </p:pic>
-      <p:sp>
-        <p:nvSpPr>
-          <p:cNvPr id="8" name="TextBox 7">
-            <a:extLst>
-              <a:ext uri="{FF2B5EF4-FFF2-40B4-BE49-F238E27FC236}">
-                <a16:creationId xmlns:a16="http://schemas.microsoft.com/office/drawing/2014/main" id="{BCC0D443-E4F9-4114-BC8D-DB1E1D75009A}"/>
-              </a:ext>
-            </a:extLst>
-          </p:cNvPr>
-          <p:cNvSpPr txBox="1"/>
-          <p:nvPr/>
-        </p:nvSpPr>
-        <p:spPr>
-          <a:xfrm>
-            <a:off x="8814479" y="311150"/>
-            <a:ext cx="1189749" cy="369332"/>
-          </a:xfrm>
-          <a:prstGeom prst="rect">
-            <a:avLst/>
-          </a:prstGeom>
-          <a:noFill/>
-        </p:spPr>
-        <p:txBody>
-          <a:bodyPr wrap="none" rtlCol="0">
-            <a:spAutoFit/>
-          </a:bodyPr>
-          <a:lstStyle/>
-          <a:p>
-            <a:r>
-              <a:rPr lang="ko-KR" altLang="en-US" dirty="0"/>
-              <a:t>파일 이름</a:t>
-            </a:r>
-          </a:p>
-        </p:txBody>
-      </p:sp>
     </p:spTree>
     <p:extLst>
       <p:ext uri="{BB962C8B-B14F-4D97-AF65-F5344CB8AC3E}">
-        <p14:creationId xmlns:p14="http://schemas.microsoft.com/office/powerpoint/2010/main" val="3016032458"/>
+        <p14:creationId xmlns:p14="http://schemas.microsoft.com/office/powerpoint/2010/main" val="183939788"/>
       </p:ext>
     </p:extLst>
   </p:cSld>
@@ -4910,7 +4845,7 @@
           <p:cNvPr id="4" name="내용 개체 틀 3">
             <a:extLst>
               <a:ext uri="{FF2B5EF4-FFF2-40B4-BE49-F238E27FC236}">
-                <a16:creationId xmlns:a16="http://schemas.microsoft.com/office/drawing/2014/main" id="{36542B55-56A1-4E6B-8999-D6DDAD2D2D69}"/>
+                <a16:creationId xmlns:a16="http://schemas.microsoft.com/office/drawing/2014/main" id="{C8ED92F9-6E53-4EC8-8A67-E84626771B31}"/>
               </a:ext>
             </a:extLst>
           </p:cNvPr>
@@ -4929,8 +4864,8 @@
         </p:blipFill>
         <p:spPr>
           <a:xfrm>
-            <a:off x="952499" y="1690687"/>
-            <a:ext cx="10988391" cy="4214810"/>
+            <a:off x="1041401" y="1738312"/>
+            <a:ext cx="10515597" cy="4637088"/>
           </a:xfrm>
           <a:prstGeom prst="rect">
             <a:avLst/>
@@ -5024,10 +4959,75 @@
           </a:fontRef>
         </p:style>
       </p:cxnSp>
+      <p:pic>
+        <p:nvPicPr>
+          <p:cNvPr id="7" name="그림 6">
+            <a:extLst>
+              <a:ext uri="{FF2B5EF4-FFF2-40B4-BE49-F238E27FC236}">
+                <a16:creationId xmlns:a16="http://schemas.microsoft.com/office/drawing/2014/main" id="{51FC9325-7150-4A9F-A8EE-DE7E7D46363C}"/>
+              </a:ext>
+            </a:extLst>
+          </p:cNvPr>
+          <p:cNvPicPr>
+            <a:picLocks noChangeAspect="1"/>
+          </p:cNvPicPr>
+          <p:nvPr/>
+        </p:nvPicPr>
+        <p:blipFill>
+          <a:blip r:embed="rId3"/>
+          <a:stretch>
+            <a:fillRect/>
+          </a:stretch>
+        </p:blipFill>
+        <p:spPr>
+          <a:xfrm>
+            <a:off x="8814479" y="749313"/>
+            <a:ext cx="2539321" cy="688963"/>
+          </a:xfrm>
+          <a:prstGeom prst="rect">
+            <a:avLst/>
+          </a:prstGeom>
+        </p:spPr>
+      </p:pic>
+      <p:sp>
+        <p:nvSpPr>
+          <p:cNvPr id="8" name="TextBox 7">
+            <a:extLst>
+              <a:ext uri="{FF2B5EF4-FFF2-40B4-BE49-F238E27FC236}">
+                <a16:creationId xmlns:a16="http://schemas.microsoft.com/office/drawing/2014/main" id="{BCC0D443-E4F9-4114-BC8D-DB1E1D75009A}"/>
+              </a:ext>
+            </a:extLst>
+          </p:cNvPr>
+          <p:cNvSpPr txBox="1"/>
+          <p:nvPr/>
+        </p:nvSpPr>
+        <p:spPr>
+          <a:xfrm>
+            <a:off x="8814479" y="311150"/>
+            <a:ext cx="1189749" cy="369332"/>
+          </a:xfrm>
+          <a:prstGeom prst="rect">
+            <a:avLst/>
+          </a:prstGeom>
+          <a:noFill/>
+        </p:spPr>
+        <p:txBody>
+          <a:bodyPr wrap="none" rtlCol="0">
+            <a:spAutoFit/>
+          </a:bodyPr>
+          <a:lstStyle/>
+          <a:p>
+            <a:r>
+              <a:rPr lang="ko-KR" altLang="en-US" dirty="0"/>
+              <a:t>파일 이름</a:t>
+            </a:r>
+          </a:p>
+        </p:txBody>
+      </p:sp>
     </p:spTree>
     <p:extLst>
       <p:ext uri="{BB962C8B-B14F-4D97-AF65-F5344CB8AC3E}">
-        <p14:creationId xmlns:p14="http://schemas.microsoft.com/office/powerpoint/2010/main" val="3569546703"/>
+        <p14:creationId xmlns:p14="http://schemas.microsoft.com/office/powerpoint/2010/main" val="3016032458"/>
       </p:ext>
     </p:extLst>
   </p:cSld>
@@ -5075,7 +5075,22 @@
           <a:bodyPr/>
           <a:lstStyle/>
           <a:p>
-            <a:endParaRPr lang="ko-KR" altLang="en-US" dirty="0"/>
+            <a:r>
+              <a:rPr lang="en-US" altLang="ko-KR" dirty="0"/>
+              <a:t>3-1. </a:t>
+            </a:r>
+            <a:r>
+              <a:rPr lang="ko-KR" altLang="en-US" dirty="0"/>
+              <a:t>과목 </a:t>
+            </a:r>
+            <a:r>
+              <a:rPr lang="en-US" altLang="ko-KR" dirty="0"/>
+              <a:t>Table </a:t>
+            </a:r>
+            <a:r>
+              <a:rPr lang="ko-KR" altLang="en-US" dirty="0"/>
+              <a:t>입력</a:t>
+            </a:r>
           </a:p>
         </p:txBody>
       </p:sp>
@@ -5084,7 +5099,7 @@
           <p:cNvPr id="4" name="내용 개체 틀 3">
             <a:extLst>
               <a:ext uri="{FF2B5EF4-FFF2-40B4-BE49-F238E27FC236}">
-                <a16:creationId xmlns:a16="http://schemas.microsoft.com/office/drawing/2014/main" id="{7F155911-8A93-4E89-A064-862683BC7D5B}"/>
+                <a16:creationId xmlns:a16="http://schemas.microsoft.com/office/drawing/2014/main" id="{36542B55-56A1-4E6B-8999-D6DDAD2D2D69}"/>
               </a:ext>
             </a:extLst>
           </p:cNvPr>
@@ -5103,8 +5118,8 @@
         </p:blipFill>
         <p:spPr>
           <a:xfrm>
-            <a:off x="1041401" y="2187576"/>
-            <a:ext cx="9553575" cy="838200"/>
+            <a:off x="952499" y="1690687"/>
+            <a:ext cx="10988391" cy="4214810"/>
           </a:xfrm>
           <a:prstGeom prst="rect">
             <a:avLst/>
@@ -5198,40 +5213,10 @@
           </a:fontRef>
         </p:style>
       </p:cxnSp>
-      <p:pic>
-        <p:nvPicPr>
-          <p:cNvPr id="7" name="그림 6">
-            <a:extLst>
-              <a:ext uri="{FF2B5EF4-FFF2-40B4-BE49-F238E27FC236}">
-                <a16:creationId xmlns:a16="http://schemas.microsoft.com/office/drawing/2014/main" id="{B8B3301A-442A-489E-96B8-65B7F24895FB}"/>
-              </a:ext>
-            </a:extLst>
-          </p:cNvPr>
-          <p:cNvPicPr>
-            <a:picLocks noChangeAspect="1"/>
-          </p:cNvPicPr>
-          <p:nvPr/>
-        </p:nvPicPr>
-        <p:blipFill>
-          <a:blip r:embed="rId3"/>
-          <a:stretch>
-            <a:fillRect/>
-          </a:stretch>
-        </p:blipFill>
-        <p:spPr>
-          <a:xfrm>
-            <a:off x="1041401" y="3429000"/>
-            <a:ext cx="9553575" cy="828675"/>
-          </a:xfrm>
-          <a:prstGeom prst="rect">
-            <a:avLst/>
-          </a:prstGeom>
-        </p:spPr>
-      </p:pic>
     </p:spTree>
     <p:extLst>
       <p:ext uri="{BB962C8B-B14F-4D97-AF65-F5344CB8AC3E}">
-        <p14:creationId xmlns:p14="http://schemas.microsoft.com/office/powerpoint/2010/main" val="2895545816"/>
+        <p14:creationId xmlns:p14="http://schemas.microsoft.com/office/powerpoint/2010/main" val="3569546703"/>
       </p:ext>
     </p:extLst>
   </p:cSld>
@@ -5279,42 +5264,26 @@
           <a:bodyPr/>
           <a:lstStyle/>
           <a:p>
+            <a:r>
+              <a:rPr lang="en-US" altLang="ko-KR" dirty="0" smtClean="0"/>
+              <a:t>3-2. </a:t>
+            </a:r>
+            <a:r>
+              <a:rPr lang="ko-KR" altLang="en-US" dirty="0" smtClean="0"/>
+              <a:t>학생 </a:t>
+            </a:r>
+            <a:r>
+              <a:rPr lang="en-US" altLang="ko-KR" dirty="0" smtClean="0"/>
+              <a:t>Table </a:t>
+            </a:r>
+            <a:r>
+              <a:rPr lang="ko-KR" altLang="en-US" dirty="0" smtClean="0"/>
+              <a:t>입력</a:t>
+            </a:r>
             <a:endParaRPr lang="ko-KR" altLang="en-US" dirty="0"/>
           </a:p>
         </p:txBody>
       </p:sp>
-      <p:pic>
-        <p:nvPicPr>
-          <p:cNvPr id="4" name="내용 개체 틀 3">
-            <a:extLst>
-              <a:ext uri="{FF2B5EF4-FFF2-40B4-BE49-F238E27FC236}">
-                <a16:creationId xmlns:a16="http://schemas.microsoft.com/office/drawing/2014/main" id="{2258EE4C-BFC2-4FFE-9056-284F41BC9E05}"/>
-              </a:ext>
-            </a:extLst>
-          </p:cNvPr>
-          <p:cNvPicPr>
-            <a:picLocks noGrp="1" noChangeAspect="1"/>
-          </p:cNvPicPr>
-          <p:nvPr>
-            <p:ph idx="1"/>
-          </p:nvPr>
-        </p:nvPicPr>
-        <p:blipFill>
-          <a:blip r:embed="rId2"/>
-          <a:stretch>
-            <a:fillRect/>
-          </a:stretch>
-        </p:blipFill>
-        <p:spPr>
-          <a:xfrm>
-            <a:off x="1041401" y="1911351"/>
-            <a:ext cx="6248400" cy="1390650"/>
-          </a:xfrm>
-          <a:prstGeom prst="rect">
-            <a:avLst/>
-          </a:prstGeom>
-        </p:spPr>
-      </p:pic>
       <p:cxnSp>
         <p:nvCxnSpPr>
           <p:cNvPr id="5" name="직선 연결선 4">
@@ -5404,13 +5373,33 @@
       </p:cxnSp>
       <p:pic>
         <p:nvPicPr>
-          <p:cNvPr id="7" name="그림 6">
-            <a:extLst>
-              <a:ext uri="{FF2B5EF4-FFF2-40B4-BE49-F238E27FC236}">
-                <a16:creationId xmlns:a16="http://schemas.microsoft.com/office/drawing/2014/main" id="{59BD13DA-2158-44A5-B436-4DDD1A1219A2}"/>
-              </a:ext>
-            </a:extLst>
-          </p:cNvPr>
+          <p:cNvPr id="8" name="내용 개체 틀 7"/>
+          <p:cNvPicPr>
+            <a:picLocks noGrp="1" noChangeAspect="1"/>
+          </p:cNvPicPr>
+          <p:nvPr>
+            <p:ph idx="1"/>
+          </p:nvPr>
+        </p:nvPicPr>
+        <p:blipFill>
+          <a:blip r:embed="rId2"/>
+          <a:stretch>
+            <a:fillRect/>
+          </a:stretch>
+        </p:blipFill>
+        <p:spPr>
+          <a:xfrm>
+            <a:off x="838200" y="1632166"/>
+            <a:ext cx="7840287" cy="5042999"/>
+          </a:xfrm>
+          <a:prstGeom prst="rect">
+            <a:avLst/>
+          </a:prstGeom>
+        </p:spPr>
+      </p:pic>
+      <p:pic>
+        <p:nvPicPr>
+          <p:cNvPr id="9" name="그림 8"/>
           <p:cNvPicPr>
             <a:picLocks noChangeAspect="1"/>
           </p:cNvPicPr>
@@ -5424,18 +5413,53 @@
         </p:blipFill>
         <p:spPr>
           <a:xfrm>
-            <a:off x="1041401" y="3827462"/>
-            <a:ext cx="9991725" cy="1362075"/>
+            <a:off x="9180625" y="824564"/>
+            <a:ext cx="2644658" cy="549275"/>
           </a:xfrm>
           <a:prstGeom prst="rect">
             <a:avLst/>
           </a:prstGeom>
         </p:spPr>
       </p:pic>
+      <p:sp>
+        <p:nvSpPr>
+          <p:cNvPr id="10" name="TextBox 9">
+            <a:extLst>
+              <a:ext uri="{FF2B5EF4-FFF2-40B4-BE49-F238E27FC236}">
+                <a16:creationId xmlns:a16="http://schemas.microsoft.com/office/drawing/2014/main" id="{BCC0D443-E4F9-4114-BC8D-DB1E1D75009A}"/>
+              </a:ext>
+            </a:extLst>
+          </p:cNvPr>
+          <p:cNvSpPr txBox="1"/>
+          <p:nvPr/>
+        </p:nvSpPr>
+        <p:spPr>
+          <a:xfrm>
+            <a:off x="9088799" y="399202"/>
+            <a:ext cx="1189749" cy="369332"/>
+          </a:xfrm>
+          <a:prstGeom prst="rect">
+            <a:avLst/>
+          </a:prstGeom>
+          <a:noFill/>
+        </p:spPr>
+        <p:txBody>
+          <a:bodyPr wrap="none" rtlCol="0">
+            <a:spAutoFit/>
+          </a:bodyPr>
+          <a:lstStyle/>
+          <a:p>
+            <a:r>
+              <a:rPr lang="ko-KR" altLang="en-US" dirty="0"/>
+              <a:t>파일 이름</a:t>
+            </a:r>
+          </a:p>
+        </p:txBody>
+      </p:sp>
     </p:spTree>
     <p:extLst>
       <p:ext uri="{BB962C8B-B14F-4D97-AF65-F5344CB8AC3E}">
-        <p14:creationId xmlns:p14="http://schemas.microsoft.com/office/powerpoint/2010/main" val="184904443"/>
+        <p14:creationId xmlns:p14="http://schemas.microsoft.com/office/powerpoint/2010/main" val="2895545816"/>
       </p:ext>
     </p:extLst>
   </p:cSld>
@@ -5467,7 +5491,7 @@
           <p:cNvPr id="2" name="제목 1">
             <a:extLst>
               <a:ext uri="{FF2B5EF4-FFF2-40B4-BE49-F238E27FC236}">
-                <a16:creationId xmlns:a16="http://schemas.microsoft.com/office/drawing/2014/main" id="{394E86A8-C399-4107-A7AB-AF6E8C48E285}"/>
+                <a16:creationId xmlns:a16="http://schemas.microsoft.com/office/drawing/2014/main" id="{2E060CB6-1FD8-40AA-8DB8-D535308DBDB8}"/>
               </a:ext>
             </a:extLst>
           </p:cNvPr>
@@ -5483,16 +5507,173 @@
           <a:bodyPr/>
           <a:lstStyle/>
           <a:p>
-            <a:endParaRPr lang="ko-KR" altLang="en-US"/>
-          </a:p>
-        </p:txBody>
-      </p:sp>
-      <p:sp>
-        <p:nvSpPr>
-          <p:cNvPr id="3" name="내용 개체 틀 2">
-            <a:extLst>
-              <a:ext uri="{FF2B5EF4-FFF2-40B4-BE49-F238E27FC236}">
-                <a16:creationId xmlns:a16="http://schemas.microsoft.com/office/drawing/2014/main" id="{00AFF43C-7925-4181-AEFB-002B3CF7F638}"/>
+            <a:r>
+              <a:rPr lang="en-US" altLang="ko-KR" dirty="0"/>
+              <a:t>3-2. </a:t>
+            </a:r>
+            <a:r>
+              <a:rPr lang="ko-KR" altLang="en-US" dirty="0"/>
+              <a:t>학생 </a:t>
+            </a:r>
+            <a:r>
+              <a:rPr lang="en-US" altLang="ko-KR" dirty="0"/>
+              <a:t>Table </a:t>
+            </a:r>
+            <a:r>
+              <a:rPr lang="ko-KR" altLang="en-US" dirty="0"/>
+              <a:t>입력</a:t>
+            </a:r>
+            <a:endParaRPr lang="ko-KR" altLang="en-US" dirty="0"/>
+          </a:p>
+        </p:txBody>
+      </p:sp>
+      <p:cxnSp>
+        <p:nvCxnSpPr>
+          <p:cNvPr id="5" name="직선 연결선 4">
+            <a:extLst>
+              <a:ext uri="{FF2B5EF4-FFF2-40B4-BE49-F238E27FC236}">
+                <a16:creationId xmlns:a16="http://schemas.microsoft.com/office/drawing/2014/main" id="{96FDC9FB-2B9D-492C-AF22-4E4A8F7C4D65}"/>
+              </a:ext>
+            </a:extLst>
+          </p:cNvPr>
+          <p:cNvCxnSpPr/>
+          <p:nvPr/>
+        </p:nvCxnSpPr>
+        <p:spPr>
+          <a:xfrm>
+            <a:off x="406400" y="1485900"/>
+            <a:ext cx="11506200" cy="0"/>
+          </a:xfrm>
+          <a:prstGeom prst="line">
+            <a:avLst/>
+          </a:prstGeom>
+          <a:ln w="57150">
+            <a:solidFill>
+              <a:schemeClr val="accent4">
+                <a:lumMod val="20000"/>
+                <a:lumOff val="80000"/>
+              </a:schemeClr>
+            </a:solidFill>
+          </a:ln>
+        </p:spPr>
+        <p:style>
+          <a:lnRef idx="1">
+            <a:schemeClr val="accent1"/>
+          </a:lnRef>
+          <a:fillRef idx="0">
+            <a:schemeClr val="accent1"/>
+          </a:fillRef>
+          <a:effectRef idx="0">
+            <a:schemeClr val="accent1"/>
+          </a:effectRef>
+          <a:fontRef idx="minor">
+            <a:schemeClr val="tx1"/>
+          </a:fontRef>
+        </p:style>
+      </p:cxnSp>
+      <p:cxnSp>
+        <p:nvCxnSpPr>
+          <p:cNvPr id="6" name="직선 연결선 5">
+            <a:extLst>
+              <a:ext uri="{FF2B5EF4-FFF2-40B4-BE49-F238E27FC236}">
+                <a16:creationId xmlns:a16="http://schemas.microsoft.com/office/drawing/2014/main" id="{08916B61-4ED5-4659-BD8D-B87605F718CC}"/>
+              </a:ext>
+            </a:extLst>
+          </p:cNvPr>
+          <p:cNvCxnSpPr/>
+          <p:nvPr/>
+        </p:nvCxnSpPr>
+        <p:spPr>
+          <a:xfrm>
+            <a:off x="723900" y="901700"/>
+            <a:ext cx="0" cy="5575300"/>
+          </a:xfrm>
+          <a:prstGeom prst="line">
+            <a:avLst/>
+          </a:prstGeom>
+          <a:ln w="57150">
+            <a:solidFill>
+              <a:schemeClr val="accent4">
+                <a:lumMod val="75000"/>
+              </a:schemeClr>
+            </a:solidFill>
+          </a:ln>
+        </p:spPr>
+        <p:style>
+          <a:lnRef idx="1">
+            <a:schemeClr val="accent1"/>
+          </a:lnRef>
+          <a:fillRef idx="0">
+            <a:schemeClr val="accent1"/>
+          </a:fillRef>
+          <a:effectRef idx="0">
+            <a:schemeClr val="accent1"/>
+          </a:effectRef>
+          <a:fontRef idx="minor">
+            <a:schemeClr val="tx1"/>
+          </a:fontRef>
+        </p:style>
+      </p:cxnSp>
+      <p:pic>
+        <p:nvPicPr>
+          <p:cNvPr id="8" name="그림 7"/>
+          <p:cNvPicPr>
+            <a:picLocks noChangeAspect="1"/>
+          </p:cNvPicPr>
+          <p:nvPr/>
+        </p:nvPicPr>
+        <p:blipFill>
+          <a:blip r:embed="rId2"/>
+          <a:stretch>
+            <a:fillRect/>
+          </a:stretch>
+        </p:blipFill>
+        <p:spPr>
+          <a:xfrm>
+            <a:off x="953886" y="1690687"/>
+            <a:ext cx="10999010" cy="3521393"/>
+          </a:xfrm>
+          <a:prstGeom prst="rect">
+            <a:avLst/>
+          </a:prstGeom>
+        </p:spPr>
+      </p:pic>
+    </p:spTree>
+    <p:extLst>
+      <p:ext uri="{BB962C8B-B14F-4D97-AF65-F5344CB8AC3E}">
+        <p14:creationId xmlns:p14="http://schemas.microsoft.com/office/powerpoint/2010/main" val="2798061041"/>
+      </p:ext>
+    </p:extLst>
+  </p:cSld>
+  <p:clrMapOvr>
+    <a:masterClrMapping/>
+  </p:clrMapOvr>
+</p:sld>
+</file>
+
+<file path=ppt/slides/slide19.xml><?xml version="1.0" encoding="utf-8"?>
+<p:sld xmlns:a="http://schemas.openxmlformats.org/drawingml/2006/main" xmlns:r="http://schemas.openxmlformats.org/officeDocument/2006/relationships" xmlns:p="http://schemas.openxmlformats.org/presentationml/2006/main">
+  <p:cSld>
+    <p:spTree>
+      <p:nvGrpSpPr>
+        <p:cNvPr id="1" name=""/>
+        <p:cNvGrpSpPr/>
+        <p:nvPr/>
+      </p:nvGrpSpPr>
+      <p:grpSpPr>
+        <a:xfrm>
+          <a:off x="0" y="0"/>
+          <a:ext cx="0" cy="0"/>
+          <a:chOff x="0" y="0"/>
+          <a:chExt cx="0" cy="0"/>
+        </a:xfrm>
+      </p:grpSpPr>
+      <p:sp>
+        <p:nvSpPr>
+          <p:cNvPr id="2" name="제목 1">
+            <a:extLst>
+              <a:ext uri="{FF2B5EF4-FFF2-40B4-BE49-F238E27FC236}">
+                <a16:creationId xmlns:a16="http://schemas.microsoft.com/office/drawing/2014/main" id="{2E060CB6-1FD8-40AA-8DB8-D535308DBDB8}"/>
               </a:ext>
             </a:extLst>
           </p:cNvPr>
@@ -5500,7 +5681,7 @@
             <a:spLocks noGrp="1"/>
           </p:cNvSpPr>
           <p:nvPr>
-            <p:ph idx="1"/>
+            <p:ph type="title"/>
           </p:nvPr>
         </p:nvSpPr>
         <p:spPr/>
@@ -5508,14 +5689,200 @@
           <a:bodyPr/>
           <a:lstStyle/>
           <a:p>
-            <a:endParaRPr lang="ko-KR" altLang="en-US"/>
+            <a:r>
+              <a:rPr lang="en-US" altLang="ko-KR" dirty="0" smtClean="0"/>
+              <a:t>3-3. </a:t>
+            </a:r>
+            <a:r>
+              <a:rPr lang="ko-KR" altLang="en-US" dirty="0" smtClean="0"/>
+              <a:t>수강 </a:t>
+            </a:r>
+            <a:r>
+              <a:rPr lang="en-US" altLang="ko-KR" dirty="0" smtClean="0"/>
+              <a:t>Table </a:t>
+            </a:r>
+            <a:r>
+              <a:rPr lang="ko-KR" altLang="en-US" dirty="0" smtClean="0"/>
+              <a:t>입력</a:t>
+            </a:r>
+            <a:endParaRPr lang="ko-KR" altLang="en-US" dirty="0"/>
+          </a:p>
+        </p:txBody>
+      </p:sp>
+      <p:cxnSp>
+        <p:nvCxnSpPr>
+          <p:cNvPr id="5" name="직선 연결선 4">
+            <a:extLst>
+              <a:ext uri="{FF2B5EF4-FFF2-40B4-BE49-F238E27FC236}">
+                <a16:creationId xmlns:a16="http://schemas.microsoft.com/office/drawing/2014/main" id="{96FDC9FB-2B9D-492C-AF22-4E4A8F7C4D65}"/>
+              </a:ext>
+            </a:extLst>
+          </p:cNvPr>
+          <p:cNvCxnSpPr/>
+          <p:nvPr/>
+        </p:nvCxnSpPr>
+        <p:spPr>
+          <a:xfrm>
+            <a:off x="406400" y="1485900"/>
+            <a:ext cx="11506200" cy="0"/>
+          </a:xfrm>
+          <a:prstGeom prst="line">
+            <a:avLst/>
+          </a:prstGeom>
+          <a:ln w="57150">
+            <a:solidFill>
+              <a:schemeClr val="accent4">
+                <a:lumMod val="20000"/>
+                <a:lumOff val="80000"/>
+              </a:schemeClr>
+            </a:solidFill>
+          </a:ln>
+        </p:spPr>
+        <p:style>
+          <a:lnRef idx="1">
+            <a:schemeClr val="accent1"/>
+          </a:lnRef>
+          <a:fillRef idx="0">
+            <a:schemeClr val="accent1"/>
+          </a:fillRef>
+          <a:effectRef idx="0">
+            <a:schemeClr val="accent1"/>
+          </a:effectRef>
+          <a:fontRef idx="minor">
+            <a:schemeClr val="tx1"/>
+          </a:fontRef>
+        </p:style>
+      </p:cxnSp>
+      <p:cxnSp>
+        <p:nvCxnSpPr>
+          <p:cNvPr id="6" name="직선 연결선 5">
+            <a:extLst>
+              <a:ext uri="{FF2B5EF4-FFF2-40B4-BE49-F238E27FC236}">
+                <a16:creationId xmlns:a16="http://schemas.microsoft.com/office/drawing/2014/main" id="{08916B61-4ED5-4659-BD8D-B87605F718CC}"/>
+              </a:ext>
+            </a:extLst>
+          </p:cNvPr>
+          <p:cNvCxnSpPr/>
+          <p:nvPr/>
+        </p:nvCxnSpPr>
+        <p:spPr>
+          <a:xfrm>
+            <a:off x="723900" y="901700"/>
+            <a:ext cx="0" cy="5575300"/>
+          </a:xfrm>
+          <a:prstGeom prst="line">
+            <a:avLst/>
+          </a:prstGeom>
+          <a:ln w="57150">
+            <a:solidFill>
+              <a:schemeClr val="accent4">
+                <a:lumMod val="75000"/>
+              </a:schemeClr>
+            </a:solidFill>
+          </a:ln>
+        </p:spPr>
+        <p:style>
+          <a:lnRef idx="1">
+            <a:schemeClr val="accent1"/>
+          </a:lnRef>
+          <a:fillRef idx="0">
+            <a:schemeClr val="accent1"/>
+          </a:fillRef>
+          <a:effectRef idx="0">
+            <a:schemeClr val="accent1"/>
+          </a:effectRef>
+          <a:fontRef idx="minor">
+            <a:schemeClr val="tx1"/>
+          </a:fontRef>
+        </p:style>
+      </p:cxnSp>
+      <p:pic>
+        <p:nvPicPr>
+          <p:cNvPr id="3" name="그림 2"/>
+          <p:cNvPicPr>
+            <a:picLocks noChangeAspect="1"/>
+          </p:cNvPicPr>
+          <p:nvPr/>
+        </p:nvPicPr>
+        <p:blipFill>
+          <a:blip r:embed="rId2"/>
+          <a:stretch>
+            <a:fillRect/>
+          </a:stretch>
+        </p:blipFill>
+        <p:spPr>
+          <a:xfrm>
+            <a:off x="903576" y="1690687"/>
+            <a:ext cx="8390053" cy="4933731"/>
+          </a:xfrm>
+          <a:prstGeom prst="rect">
+            <a:avLst/>
+          </a:prstGeom>
+        </p:spPr>
+      </p:pic>
+      <p:pic>
+        <p:nvPicPr>
+          <p:cNvPr id="4" name="그림 3"/>
+          <p:cNvPicPr>
+            <a:picLocks noChangeAspect="1"/>
+          </p:cNvPicPr>
+          <p:nvPr/>
+        </p:nvPicPr>
+        <p:blipFill>
+          <a:blip r:embed="rId3"/>
+          <a:stretch>
+            <a:fillRect/>
+          </a:stretch>
+        </p:blipFill>
+        <p:spPr>
+          <a:xfrm>
+            <a:off x="9371994" y="885030"/>
+            <a:ext cx="2306714" cy="536445"/>
+          </a:xfrm>
+          <a:prstGeom prst="rect">
+            <a:avLst/>
+          </a:prstGeom>
+        </p:spPr>
+      </p:pic>
+      <p:sp>
+        <p:nvSpPr>
+          <p:cNvPr id="7" name="TextBox 6">
+            <a:extLst>
+              <a:ext uri="{FF2B5EF4-FFF2-40B4-BE49-F238E27FC236}">
+                <a16:creationId xmlns:a16="http://schemas.microsoft.com/office/drawing/2014/main" id="{BCC0D443-E4F9-4114-BC8D-DB1E1D75009A}"/>
+              </a:ext>
+            </a:extLst>
+          </p:cNvPr>
+          <p:cNvSpPr txBox="1"/>
+          <p:nvPr/>
+        </p:nvSpPr>
+        <p:spPr>
+          <a:xfrm>
+            <a:off x="9293629" y="498437"/>
+            <a:ext cx="1189749" cy="369332"/>
+          </a:xfrm>
+          <a:prstGeom prst="rect">
+            <a:avLst/>
+          </a:prstGeom>
+          <a:noFill/>
+        </p:spPr>
+        <p:txBody>
+          <a:bodyPr wrap="none" rtlCol="0">
+            <a:spAutoFit/>
+          </a:bodyPr>
+          <a:lstStyle/>
+          <a:p>
+            <a:r>
+              <a:rPr lang="ko-KR" altLang="en-US" dirty="0"/>
+              <a:t>파일 이름</a:t>
+            </a:r>
           </a:p>
         </p:txBody>
       </p:sp>
     </p:spTree>
     <p:extLst>
       <p:ext uri="{BB962C8B-B14F-4D97-AF65-F5344CB8AC3E}">
-        <p14:creationId xmlns:p14="http://schemas.microsoft.com/office/powerpoint/2010/main" val="2253102129"/>
+        <p14:creationId xmlns:p14="http://schemas.microsoft.com/office/powerpoint/2010/main" val="2586428091"/>
       </p:ext>
     </p:extLst>
   </p:cSld>
@@ -5651,28 +6018,33 @@
             </a:r>
             <a:r>
               <a:rPr lang="ko-KR" altLang="en-US" dirty="0"/>
-              <a:t>객체 생성</a:t>
-            </a:r>
-            <a:r>
-              <a:rPr lang="en-US" altLang="ko-KR" dirty="0"/>
-              <a:t>/</a:t>
-            </a:r>
-            <a:r>
-              <a:rPr lang="ko-KR" altLang="en-US" dirty="0"/>
+              <a:t>객체 </a:t>
+            </a:r>
+            <a:r>
+              <a:rPr lang="ko-KR" altLang="en-US" dirty="0" smtClean="0"/>
+              <a:t>생성</a:t>
+            </a:r>
+            <a:r>
+              <a:rPr lang="en-US" altLang="ko-KR" dirty="0" smtClean="0"/>
+              <a:t>(c)/</a:t>
+            </a:r>
+            <a:r>
+              <a:rPr lang="ko-KR" altLang="en-US" dirty="0" smtClean="0"/>
               <a:t>수정</a:t>
             </a:r>
             <a:r>
-              <a:rPr lang="en-US" altLang="ko-KR" dirty="0"/>
-              <a:t>/</a:t>
-            </a:r>
-            <a:r>
-              <a:rPr lang="ko-KR" altLang="en-US" dirty="0"/>
+              <a:rPr lang="en-US" altLang="ko-KR" dirty="0" smtClean="0"/>
+              <a:t>(a)/</a:t>
+            </a:r>
+            <a:r>
+              <a:rPr lang="ko-KR" altLang="en-US" dirty="0" smtClean="0"/>
               <a:t>삭제</a:t>
             </a:r>
             <a:r>
-              <a:rPr lang="en-US" altLang="ko-KR" dirty="0"/>
-              <a:t>)</a:t>
-            </a:r>
+              <a:rPr lang="en-US" altLang="ko-KR" dirty="0" smtClean="0"/>
+              <a:t>(d, t))</a:t>
+            </a:r>
+            <a:endParaRPr lang="en-US" altLang="ko-KR" dirty="0"/>
           </a:p>
           <a:p>
             <a:pPr marL="457200" lvl="1" indent="0">
@@ -5708,37 +6080,50 @@
               <a:t>(</a:t>
             </a:r>
             <a:r>
-              <a:rPr lang="ko-KR" altLang="en-US" dirty="0"/>
+              <a:rPr lang="ko-KR" altLang="en-US" dirty="0" smtClean="0"/>
               <a:t>입력</a:t>
             </a:r>
             <a:r>
-              <a:rPr lang="en-US" altLang="ko-KR" dirty="0"/>
-              <a:t>/</a:t>
-            </a:r>
-            <a:r>
-              <a:rPr lang="ko-KR" altLang="en-US" dirty="0"/>
-              <a:t>수정</a:t>
-            </a:r>
-            <a:r>
-              <a:rPr lang="en-US" altLang="ko-KR" dirty="0"/>
-              <a:t>/</a:t>
-            </a:r>
-            <a:r>
-              <a:rPr lang="ko-KR" altLang="en-US" dirty="0"/>
-              <a:t>삭제</a:t>
-            </a:r>
-            <a:r>
-              <a:rPr lang="en-US" altLang="ko-KR" dirty="0"/>
-              <a:t>/</a:t>
-            </a:r>
-            <a:r>
-              <a:rPr lang="ko-KR" altLang="en-US" dirty="0"/>
-              <a:t>검색</a:t>
+              <a:rPr lang="en-US" altLang="ko-KR" dirty="0" smtClean="0"/>
+              <a:t>(</a:t>
+            </a:r>
+            <a:r>
+              <a:rPr lang="en-US" altLang="ko-KR" dirty="0" err="1" smtClean="0"/>
+              <a:t>i</a:t>
             </a:r>
             <a:r>
               <a:rPr lang="en-US" altLang="ko-KR" dirty="0"/>
               <a:t>)</a:t>
             </a:r>
+            <a:r>
+              <a:rPr lang="en-US" altLang="ko-KR" dirty="0" smtClean="0"/>
+              <a:t>/</a:t>
+            </a:r>
+            <a:r>
+              <a:rPr lang="ko-KR" altLang="en-US" dirty="0" smtClean="0"/>
+              <a:t>수정</a:t>
+            </a:r>
+            <a:r>
+              <a:rPr lang="en-US" altLang="ko-KR" dirty="0" smtClean="0"/>
+              <a:t>(u)/</a:t>
+            </a:r>
+            <a:r>
+              <a:rPr lang="ko-KR" altLang="en-US" dirty="0" smtClean="0"/>
+              <a:t>삭제</a:t>
+            </a:r>
+            <a:r>
+              <a:rPr lang="en-US" altLang="ko-KR" dirty="0" smtClean="0"/>
+              <a:t>(d)/</a:t>
+            </a:r>
+            <a:r>
+              <a:rPr lang="ko-KR" altLang="en-US" dirty="0" smtClean="0"/>
+              <a:t>검색</a:t>
+            </a:r>
+            <a:r>
+              <a:rPr lang="en-US" altLang="ko-KR" dirty="0" smtClean="0"/>
+              <a:t>(s))</a:t>
+            </a:r>
+            <a:endParaRPr lang="en-US" altLang="ko-KR" dirty="0"/>
           </a:p>
           <a:p>
             <a:pPr lvl="1"/>
@@ -5780,12 +6165,20 @@
               <a:t>/</a:t>
             </a:r>
             <a:r>
-              <a:rPr lang="ko-KR" altLang="en-US" dirty="0"/>
+              <a:rPr lang="ko-KR" altLang="en-US" dirty="0" smtClean="0"/>
               <a:t>복원</a:t>
             </a:r>
             <a:r>
-              <a:rPr lang="en-US" altLang="ko-KR" dirty="0"/>
-              <a:t>, </a:t>
+              <a:rPr lang="en-US" altLang="ko-KR" dirty="0" smtClean="0"/>
+              <a:t>(</a:t>
+            </a:r>
+            <a:r>
+              <a:rPr lang="en-US" altLang="ko-KR" dirty="0" err="1" smtClean="0"/>
+              <a:t>c,r</a:t>
+            </a:r>
+            <a:r>
+              <a:rPr lang="en-US" altLang="ko-KR" dirty="0" smtClean="0"/>
+              <a:t>), </a:t>
             </a:r>
             <a:r>
               <a:rPr lang="ko-KR" altLang="en-US" dirty="0"/>
@@ -5797,8 +6190,25 @@
             </a:r>
             <a:r>
               <a:rPr lang="ko-KR" altLang="en-US" dirty="0"/>
-              <a:t>권한 관리</a:t>
-            </a:r>
+              <a:t>권한 </a:t>
+            </a:r>
+            <a:r>
+              <a:rPr lang="ko-KR" altLang="en-US" dirty="0" smtClean="0"/>
+              <a:t>관리</a:t>
+            </a:r>
+            <a:r>
+              <a:rPr lang="en-US" altLang="ko-KR" dirty="0" smtClean="0"/>
+              <a:t>(</a:t>
+            </a:r>
+            <a:r>
+              <a:rPr lang="en-US" altLang="ko-KR" dirty="0" err="1" smtClean="0"/>
+              <a:t>g,r</a:t>
+            </a:r>
+            <a:r>
+              <a:rPr lang="en-US" altLang="ko-KR" dirty="0" smtClean="0"/>
+              <a:t>)</a:t>
+            </a:r>
+            <a:endParaRPr lang="ko-KR" altLang="en-US" dirty="0"/>
           </a:p>
         </p:txBody>
       </p:sp>
@@ -5893,6 +6303,1242 @@
     <p:extLst>
       <p:ext uri="{BB962C8B-B14F-4D97-AF65-F5344CB8AC3E}">
         <p14:creationId xmlns:p14="http://schemas.microsoft.com/office/powerpoint/2010/main" val="1410931486"/>
+      </p:ext>
+    </p:extLst>
+  </p:cSld>
+  <p:clrMapOvr>
+    <a:masterClrMapping/>
+  </p:clrMapOvr>
+</p:sld>
+</file>
+
+<file path=ppt/slides/slide20.xml><?xml version="1.0" encoding="utf-8"?>
+<p:sld xmlns:a="http://schemas.openxmlformats.org/drawingml/2006/main" xmlns:r="http://schemas.openxmlformats.org/officeDocument/2006/relationships" xmlns:p="http://schemas.openxmlformats.org/presentationml/2006/main">
+  <p:cSld>
+    <p:spTree>
+      <p:nvGrpSpPr>
+        <p:cNvPr id="1" name=""/>
+        <p:cNvGrpSpPr/>
+        <p:nvPr/>
+      </p:nvGrpSpPr>
+      <p:grpSpPr>
+        <a:xfrm>
+          <a:off x="0" y="0"/>
+          <a:ext cx="0" cy="0"/>
+          <a:chOff x="0" y="0"/>
+          <a:chExt cx="0" cy="0"/>
+        </a:xfrm>
+      </p:grpSpPr>
+      <p:sp>
+        <p:nvSpPr>
+          <p:cNvPr id="2" name="제목 1">
+            <a:extLst>
+              <a:ext uri="{FF2B5EF4-FFF2-40B4-BE49-F238E27FC236}">
+                <a16:creationId xmlns:a16="http://schemas.microsoft.com/office/drawing/2014/main" id="{2E060CB6-1FD8-40AA-8DB8-D535308DBDB8}"/>
+              </a:ext>
+            </a:extLst>
+          </p:cNvPr>
+          <p:cNvSpPr>
+            <a:spLocks noGrp="1"/>
+          </p:cNvSpPr>
+          <p:nvPr>
+            <p:ph type="title"/>
+          </p:nvPr>
+        </p:nvSpPr>
+        <p:spPr/>
+        <p:txBody>
+          <a:bodyPr/>
+          <a:lstStyle/>
+          <a:p>
+            <a:r>
+              <a:rPr lang="en-US" altLang="ko-KR" dirty="0"/>
+              <a:t>3-3. </a:t>
+            </a:r>
+            <a:r>
+              <a:rPr lang="ko-KR" altLang="en-US" dirty="0"/>
+              <a:t>수강 </a:t>
+            </a:r>
+            <a:r>
+              <a:rPr lang="en-US" altLang="ko-KR" dirty="0"/>
+              <a:t>Table </a:t>
+            </a:r>
+            <a:r>
+              <a:rPr lang="ko-KR" altLang="en-US" dirty="0"/>
+              <a:t>입력</a:t>
+            </a:r>
+            <a:endParaRPr lang="ko-KR" altLang="en-US" dirty="0"/>
+          </a:p>
+        </p:txBody>
+      </p:sp>
+      <p:cxnSp>
+        <p:nvCxnSpPr>
+          <p:cNvPr id="5" name="직선 연결선 4">
+            <a:extLst>
+              <a:ext uri="{FF2B5EF4-FFF2-40B4-BE49-F238E27FC236}">
+                <a16:creationId xmlns:a16="http://schemas.microsoft.com/office/drawing/2014/main" id="{96FDC9FB-2B9D-492C-AF22-4E4A8F7C4D65}"/>
+              </a:ext>
+            </a:extLst>
+          </p:cNvPr>
+          <p:cNvCxnSpPr/>
+          <p:nvPr/>
+        </p:nvCxnSpPr>
+        <p:spPr>
+          <a:xfrm>
+            <a:off x="406400" y="1485900"/>
+            <a:ext cx="11506200" cy="0"/>
+          </a:xfrm>
+          <a:prstGeom prst="line">
+            <a:avLst/>
+          </a:prstGeom>
+          <a:ln w="57150">
+            <a:solidFill>
+              <a:schemeClr val="accent4">
+                <a:lumMod val="20000"/>
+                <a:lumOff val="80000"/>
+              </a:schemeClr>
+            </a:solidFill>
+          </a:ln>
+        </p:spPr>
+        <p:style>
+          <a:lnRef idx="1">
+            <a:schemeClr val="accent1"/>
+          </a:lnRef>
+          <a:fillRef idx="0">
+            <a:schemeClr val="accent1"/>
+          </a:fillRef>
+          <a:effectRef idx="0">
+            <a:schemeClr val="accent1"/>
+          </a:effectRef>
+          <a:fontRef idx="minor">
+            <a:schemeClr val="tx1"/>
+          </a:fontRef>
+        </p:style>
+      </p:cxnSp>
+      <p:cxnSp>
+        <p:nvCxnSpPr>
+          <p:cNvPr id="6" name="직선 연결선 5">
+            <a:extLst>
+              <a:ext uri="{FF2B5EF4-FFF2-40B4-BE49-F238E27FC236}">
+                <a16:creationId xmlns:a16="http://schemas.microsoft.com/office/drawing/2014/main" id="{08916B61-4ED5-4659-BD8D-B87605F718CC}"/>
+              </a:ext>
+            </a:extLst>
+          </p:cNvPr>
+          <p:cNvCxnSpPr/>
+          <p:nvPr/>
+        </p:nvCxnSpPr>
+        <p:spPr>
+          <a:xfrm>
+            <a:off x="723900" y="901700"/>
+            <a:ext cx="0" cy="5575300"/>
+          </a:xfrm>
+          <a:prstGeom prst="line">
+            <a:avLst/>
+          </a:prstGeom>
+          <a:ln w="57150">
+            <a:solidFill>
+              <a:schemeClr val="accent4">
+                <a:lumMod val="75000"/>
+              </a:schemeClr>
+            </a:solidFill>
+          </a:ln>
+        </p:spPr>
+        <p:style>
+          <a:lnRef idx="1">
+            <a:schemeClr val="accent1"/>
+          </a:lnRef>
+          <a:fillRef idx="0">
+            <a:schemeClr val="accent1"/>
+          </a:fillRef>
+          <a:effectRef idx="0">
+            <a:schemeClr val="accent1"/>
+          </a:effectRef>
+          <a:fontRef idx="minor">
+            <a:schemeClr val="tx1"/>
+          </a:fontRef>
+        </p:style>
+      </p:cxnSp>
+      <p:pic>
+        <p:nvPicPr>
+          <p:cNvPr id="3" name="그림 2"/>
+          <p:cNvPicPr>
+            <a:picLocks noChangeAspect="1"/>
+          </p:cNvPicPr>
+          <p:nvPr/>
+        </p:nvPicPr>
+        <p:blipFill>
+          <a:blip r:embed="rId2"/>
+          <a:stretch>
+            <a:fillRect/>
+          </a:stretch>
+        </p:blipFill>
+        <p:spPr>
+          <a:xfrm>
+            <a:off x="904702" y="1857981"/>
+            <a:ext cx="10449098" cy="4705443"/>
+          </a:xfrm>
+          <a:prstGeom prst="rect">
+            <a:avLst/>
+          </a:prstGeom>
+        </p:spPr>
+      </p:pic>
+    </p:spTree>
+    <p:extLst>
+      <p:ext uri="{BB962C8B-B14F-4D97-AF65-F5344CB8AC3E}">
+        <p14:creationId xmlns:p14="http://schemas.microsoft.com/office/powerpoint/2010/main" val="2079232877"/>
+      </p:ext>
+    </p:extLst>
+  </p:cSld>
+  <p:clrMapOvr>
+    <a:masterClrMapping/>
+  </p:clrMapOvr>
+</p:sld>
+</file>
+
+<file path=ppt/slides/slide21.xml><?xml version="1.0" encoding="utf-8"?>
+<p:sld xmlns:a="http://schemas.openxmlformats.org/drawingml/2006/main" xmlns:r="http://schemas.openxmlformats.org/officeDocument/2006/relationships" xmlns:p="http://schemas.openxmlformats.org/presentationml/2006/main">
+  <p:cSld>
+    <p:spTree>
+      <p:nvGrpSpPr>
+        <p:cNvPr id="1" name=""/>
+        <p:cNvGrpSpPr/>
+        <p:nvPr/>
+      </p:nvGrpSpPr>
+      <p:grpSpPr>
+        <a:xfrm>
+          <a:off x="0" y="0"/>
+          <a:ext cx="0" cy="0"/>
+          <a:chOff x="0" y="0"/>
+          <a:chExt cx="0" cy="0"/>
+        </a:xfrm>
+      </p:grpSpPr>
+      <p:sp>
+        <p:nvSpPr>
+          <p:cNvPr id="2" name="제목 1">
+            <a:extLst>
+              <a:ext uri="{FF2B5EF4-FFF2-40B4-BE49-F238E27FC236}">
+                <a16:creationId xmlns:a16="http://schemas.microsoft.com/office/drawing/2014/main" id="{2E060CB6-1FD8-40AA-8DB8-D535308DBDB8}"/>
+              </a:ext>
+            </a:extLst>
+          </p:cNvPr>
+          <p:cNvSpPr>
+            <a:spLocks noGrp="1"/>
+          </p:cNvSpPr>
+          <p:nvPr>
+            <p:ph type="title"/>
+          </p:nvPr>
+        </p:nvSpPr>
+        <p:spPr/>
+        <p:txBody>
+          <a:bodyPr/>
+          <a:lstStyle/>
+          <a:p>
+            <a:r>
+              <a:rPr lang="ko-KR" altLang="en-US" dirty="0" smtClean="0"/>
+              <a:t>스키마</a:t>
+            </a:r>
+            <a:r>
+              <a:rPr lang="en-US" altLang="ko-KR" dirty="0" smtClean="0"/>
+              <a:t>(</a:t>
+            </a:r>
+            <a:r>
+              <a:rPr lang="ko-KR" altLang="en-US" dirty="0" smtClean="0"/>
+              <a:t>외부</a:t>
+            </a:r>
+            <a:r>
+              <a:rPr lang="en-US" altLang="ko-KR" dirty="0" smtClean="0"/>
+              <a:t>, </a:t>
+            </a:r>
+            <a:r>
+              <a:rPr lang="ko-KR" altLang="en-US" dirty="0" smtClean="0"/>
+              <a:t>개념</a:t>
+            </a:r>
+            <a:r>
+              <a:rPr lang="en-US" altLang="ko-KR" dirty="0" smtClean="0"/>
+              <a:t>, </a:t>
+            </a:r>
+            <a:r>
+              <a:rPr lang="ko-KR" altLang="en-US" dirty="0" smtClean="0"/>
+              <a:t>내부</a:t>
+            </a:r>
+            <a:r>
+              <a:rPr lang="en-US" altLang="ko-KR" dirty="0" smtClean="0"/>
+              <a:t>)</a:t>
+            </a:r>
+            <a:endParaRPr lang="ko-KR" altLang="en-US" dirty="0"/>
+          </a:p>
+        </p:txBody>
+      </p:sp>
+      <p:cxnSp>
+        <p:nvCxnSpPr>
+          <p:cNvPr id="5" name="직선 연결선 4">
+            <a:extLst>
+              <a:ext uri="{FF2B5EF4-FFF2-40B4-BE49-F238E27FC236}">
+                <a16:creationId xmlns:a16="http://schemas.microsoft.com/office/drawing/2014/main" id="{96FDC9FB-2B9D-492C-AF22-4E4A8F7C4D65}"/>
+              </a:ext>
+            </a:extLst>
+          </p:cNvPr>
+          <p:cNvCxnSpPr/>
+          <p:nvPr/>
+        </p:nvCxnSpPr>
+        <p:spPr>
+          <a:xfrm>
+            <a:off x="406400" y="1485900"/>
+            <a:ext cx="11506200" cy="0"/>
+          </a:xfrm>
+          <a:prstGeom prst="line">
+            <a:avLst/>
+          </a:prstGeom>
+          <a:ln w="57150">
+            <a:solidFill>
+              <a:schemeClr val="accent4">
+                <a:lumMod val="20000"/>
+                <a:lumOff val="80000"/>
+              </a:schemeClr>
+            </a:solidFill>
+          </a:ln>
+        </p:spPr>
+        <p:style>
+          <a:lnRef idx="1">
+            <a:schemeClr val="accent1"/>
+          </a:lnRef>
+          <a:fillRef idx="0">
+            <a:schemeClr val="accent1"/>
+          </a:fillRef>
+          <a:effectRef idx="0">
+            <a:schemeClr val="accent1"/>
+          </a:effectRef>
+          <a:fontRef idx="minor">
+            <a:schemeClr val="tx1"/>
+          </a:fontRef>
+        </p:style>
+      </p:cxnSp>
+      <p:cxnSp>
+        <p:nvCxnSpPr>
+          <p:cNvPr id="6" name="직선 연결선 5">
+            <a:extLst>
+              <a:ext uri="{FF2B5EF4-FFF2-40B4-BE49-F238E27FC236}">
+                <a16:creationId xmlns:a16="http://schemas.microsoft.com/office/drawing/2014/main" id="{08916B61-4ED5-4659-BD8D-B87605F718CC}"/>
+              </a:ext>
+            </a:extLst>
+          </p:cNvPr>
+          <p:cNvCxnSpPr/>
+          <p:nvPr/>
+        </p:nvCxnSpPr>
+        <p:spPr>
+          <a:xfrm>
+            <a:off x="723900" y="901700"/>
+            <a:ext cx="0" cy="5575300"/>
+          </a:xfrm>
+          <a:prstGeom prst="line">
+            <a:avLst/>
+          </a:prstGeom>
+          <a:ln w="57150">
+            <a:solidFill>
+              <a:schemeClr val="accent4">
+                <a:lumMod val="75000"/>
+              </a:schemeClr>
+            </a:solidFill>
+          </a:ln>
+        </p:spPr>
+        <p:style>
+          <a:lnRef idx="1">
+            <a:schemeClr val="accent1"/>
+          </a:lnRef>
+          <a:fillRef idx="0">
+            <a:schemeClr val="accent1"/>
+          </a:fillRef>
+          <a:effectRef idx="0">
+            <a:schemeClr val="accent1"/>
+          </a:effectRef>
+          <a:fontRef idx="minor">
+            <a:schemeClr val="tx1"/>
+          </a:fontRef>
+        </p:style>
+      </p:cxnSp>
+      <p:pic>
+        <p:nvPicPr>
+          <p:cNvPr id="22" name="그림 21"/>
+          <p:cNvPicPr>
+            <a:picLocks noChangeAspect="1"/>
+          </p:cNvPicPr>
+          <p:nvPr/>
+        </p:nvPicPr>
+        <p:blipFill>
+          <a:blip r:embed="rId2"/>
+          <a:stretch>
+            <a:fillRect/>
+          </a:stretch>
+        </p:blipFill>
+        <p:spPr>
+          <a:xfrm>
+            <a:off x="1041401" y="1690688"/>
+            <a:ext cx="7969308" cy="3578182"/>
+          </a:xfrm>
+          <a:prstGeom prst="rect">
+            <a:avLst/>
+          </a:prstGeom>
+        </p:spPr>
+      </p:pic>
+      <p:pic>
+        <p:nvPicPr>
+          <p:cNvPr id="23" name="내용 개체 틀 7"/>
+          <p:cNvPicPr>
+            <a:picLocks noGrp="1" noChangeAspect="1"/>
+          </p:cNvPicPr>
+          <p:nvPr>
+            <p:ph idx="1"/>
+          </p:nvPr>
+        </p:nvPicPr>
+        <p:blipFill>
+          <a:blip r:embed="rId3"/>
+          <a:stretch>
+            <a:fillRect/>
+          </a:stretch>
+        </p:blipFill>
+        <p:spPr>
+          <a:xfrm>
+            <a:off x="1041401" y="5473657"/>
+            <a:ext cx="8172450" cy="1009650"/>
+          </a:xfrm>
+          <a:prstGeom prst="rect">
+            <a:avLst/>
+          </a:prstGeom>
+        </p:spPr>
+      </p:pic>
+      <p:sp>
+        <p:nvSpPr>
+          <p:cNvPr id="24" name="직사각형 23"/>
+          <p:cNvSpPr/>
+          <p:nvPr/>
+        </p:nvSpPr>
+        <p:spPr>
+          <a:xfrm>
+            <a:off x="1105593" y="5473657"/>
+            <a:ext cx="8108258" cy="1003343"/>
+          </a:xfrm>
+          <a:prstGeom prst="rect">
+            <a:avLst/>
+          </a:prstGeom>
+          <a:noFill/>
+          <a:ln w="38100">
+            <a:solidFill>
+              <a:srgbClr val="00B0F0"/>
+            </a:solidFill>
+          </a:ln>
+        </p:spPr>
+        <p:style>
+          <a:lnRef idx="2">
+            <a:schemeClr val="accent1">
+              <a:shade val="50000"/>
+            </a:schemeClr>
+          </a:lnRef>
+          <a:fillRef idx="1">
+            <a:schemeClr val="accent1"/>
+          </a:fillRef>
+          <a:effectRef idx="0">
+            <a:schemeClr val="accent1"/>
+          </a:effectRef>
+          <a:fontRef idx="minor">
+            <a:schemeClr val="lt1"/>
+          </a:fontRef>
+        </p:style>
+        <p:txBody>
+          <a:bodyPr rtlCol="0" anchor="ctr"/>
+          <a:lstStyle/>
+          <a:p>
+            <a:pPr algn="ctr"/>
+            <a:endParaRPr lang="ko-KR" altLang="en-US"/>
+          </a:p>
+        </p:txBody>
+      </p:sp>
+      <p:sp>
+        <p:nvSpPr>
+          <p:cNvPr id="25" name="TextBox 24"/>
+          <p:cNvSpPr txBox="1"/>
+          <p:nvPr/>
+        </p:nvSpPr>
+        <p:spPr>
+          <a:xfrm>
+            <a:off x="9842268" y="5790662"/>
+            <a:ext cx="1420582" cy="369332"/>
+          </a:xfrm>
+          <a:prstGeom prst="rect">
+            <a:avLst/>
+          </a:prstGeom>
+          <a:noFill/>
+        </p:spPr>
+        <p:txBody>
+          <a:bodyPr wrap="none" rtlCol="0">
+            <a:spAutoFit/>
+          </a:bodyPr>
+          <a:lstStyle/>
+          <a:p>
+            <a:r>
+              <a:rPr lang="ko-KR" altLang="en-US" dirty="0" smtClean="0"/>
+              <a:t>개념 스키마</a:t>
+            </a:r>
+            <a:endParaRPr lang="ko-KR" altLang="en-US" dirty="0"/>
+          </a:p>
+        </p:txBody>
+      </p:sp>
+      <p:cxnSp>
+        <p:nvCxnSpPr>
+          <p:cNvPr id="27" name="직선 화살표 연결선 26"/>
+          <p:cNvCxnSpPr>
+            <a:stCxn id="25" idx="1"/>
+          </p:cNvCxnSpPr>
+          <p:nvPr/>
+        </p:nvCxnSpPr>
+        <p:spPr>
+          <a:xfrm flipH="1">
+            <a:off x="9010709" y="5975328"/>
+            <a:ext cx="831559" cy="0"/>
+          </a:xfrm>
+          <a:prstGeom prst="straightConnector1">
+            <a:avLst/>
+          </a:prstGeom>
+          <a:ln w="38100">
+            <a:tailEnd type="triangle"/>
+          </a:ln>
+        </p:spPr>
+        <p:style>
+          <a:lnRef idx="1">
+            <a:schemeClr val="accent1"/>
+          </a:lnRef>
+          <a:fillRef idx="0">
+            <a:schemeClr val="accent1"/>
+          </a:fillRef>
+          <a:effectRef idx="0">
+            <a:schemeClr val="accent1"/>
+          </a:effectRef>
+          <a:fontRef idx="minor">
+            <a:schemeClr val="tx1"/>
+          </a:fontRef>
+        </p:style>
+      </p:cxnSp>
+      <p:sp>
+        <p:nvSpPr>
+          <p:cNvPr id="28" name="TextBox 27"/>
+          <p:cNvSpPr txBox="1"/>
+          <p:nvPr/>
+        </p:nvSpPr>
+        <p:spPr>
+          <a:xfrm>
+            <a:off x="9842268" y="5078161"/>
+            <a:ext cx="1874231" cy="646331"/>
+          </a:xfrm>
+          <a:prstGeom prst="rect">
+            <a:avLst/>
+          </a:prstGeom>
+          <a:noFill/>
+        </p:spPr>
+        <p:txBody>
+          <a:bodyPr wrap="none" rtlCol="0">
+            <a:spAutoFit/>
+          </a:bodyPr>
+          <a:lstStyle/>
+          <a:p>
+            <a:r>
+              <a:rPr lang="ko-KR" altLang="en-US" dirty="0" smtClean="0"/>
+              <a:t>개념 단계</a:t>
+            </a:r>
+            <a:endParaRPr lang="en-US" altLang="ko-KR" dirty="0" smtClean="0"/>
+          </a:p>
+          <a:p>
+            <a:r>
+              <a:rPr lang="en-US" altLang="ko-KR" dirty="0" smtClean="0"/>
+              <a:t>(</a:t>
+            </a:r>
+            <a:r>
+              <a:rPr lang="ko-KR" altLang="en-US" dirty="0" smtClean="0"/>
+              <a:t>조직 전체 관점</a:t>
+            </a:r>
+            <a:r>
+              <a:rPr lang="en-US" altLang="ko-KR" dirty="0" smtClean="0"/>
+              <a:t>)</a:t>
+            </a:r>
+            <a:endParaRPr lang="ko-KR" altLang="en-US" dirty="0"/>
+          </a:p>
+        </p:txBody>
+      </p:sp>
+    </p:spTree>
+    <p:extLst>
+      <p:ext uri="{BB962C8B-B14F-4D97-AF65-F5344CB8AC3E}">
+        <p14:creationId xmlns:p14="http://schemas.microsoft.com/office/powerpoint/2010/main" val="4070653144"/>
+      </p:ext>
+    </p:extLst>
+  </p:cSld>
+  <p:clrMapOvr>
+    <a:masterClrMapping/>
+  </p:clrMapOvr>
+</p:sld>
+</file>
+
+<file path=ppt/slides/slide22.xml><?xml version="1.0" encoding="utf-8"?>
+<p:sld xmlns:a="http://schemas.openxmlformats.org/drawingml/2006/main" xmlns:r="http://schemas.openxmlformats.org/officeDocument/2006/relationships" xmlns:p="http://schemas.openxmlformats.org/presentationml/2006/main">
+  <p:cSld>
+    <p:spTree>
+      <p:nvGrpSpPr>
+        <p:cNvPr id="1" name=""/>
+        <p:cNvGrpSpPr/>
+        <p:nvPr/>
+      </p:nvGrpSpPr>
+      <p:grpSpPr>
+        <a:xfrm>
+          <a:off x="0" y="0"/>
+          <a:ext cx="0" cy="0"/>
+          <a:chOff x="0" y="0"/>
+          <a:chExt cx="0" cy="0"/>
+        </a:xfrm>
+      </p:grpSpPr>
+      <p:sp>
+        <p:nvSpPr>
+          <p:cNvPr id="2" name="제목 1">
+            <a:extLst>
+              <a:ext uri="{FF2B5EF4-FFF2-40B4-BE49-F238E27FC236}">
+                <a16:creationId xmlns:a16="http://schemas.microsoft.com/office/drawing/2014/main" id="{2E060CB6-1FD8-40AA-8DB8-D535308DBDB8}"/>
+              </a:ext>
+            </a:extLst>
+          </p:cNvPr>
+          <p:cNvSpPr>
+            <a:spLocks noGrp="1"/>
+          </p:cNvSpPr>
+          <p:nvPr>
+            <p:ph type="title"/>
+          </p:nvPr>
+        </p:nvSpPr>
+        <p:spPr/>
+        <p:txBody>
+          <a:bodyPr/>
+          <a:lstStyle/>
+          <a:p>
+            <a:r>
+              <a:rPr lang="ko-KR" altLang="en-US" dirty="0"/>
+              <a:t>스키마</a:t>
+            </a:r>
+            <a:r>
+              <a:rPr lang="en-US" altLang="ko-KR" dirty="0"/>
+              <a:t>(</a:t>
+            </a:r>
+            <a:r>
+              <a:rPr lang="ko-KR" altLang="en-US" dirty="0"/>
+              <a:t>외부</a:t>
+            </a:r>
+            <a:r>
+              <a:rPr lang="en-US" altLang="ko-KR" dirty="0"/>
+              <a:t>, </a:t>
+            </a:r>
+            <a:r>
+              <a:rPr lang="ko-KR" altLang="en-US" dirty="0"/>
+              <a:t>개념</a:t>
+            </a:r>
+            <a:r>
+              <a:rPr lang="en-US" altLang="ko-KR" dirty="0"/>
+              <a:t>, </a:t>
+            </a:r>
+            <a:r>
+              <a:rPr lang="ko-KR" altLang="en-US" dirty="0"/>
+              <a:t>내부</a:t>
+            </a:r>
+            <a:r>
+              <a:rPr lang="en-US" altLang="ko-KR" dirty="0"/>
+              <a:t>)</a:t>
+            </a:r>
+            <a:endParaRPr lang="ko-KR" altLang="en-US" dirty="0"/>
+          </a:p>
+        </p:txBody>
+      </p:sp>
+      <p:cxnSp>
+        <p:nvCxnSpPr>
+          <p:cNvPr id="5" name="직선 연결선 4">
+            <a:extLst>
+              <a:ext uri="{FF2B5EF4-FFF2-40B4-BE49-F238E27FC236}">
+                <a16:creationId xmlns:a16="http://schemas.microsoft.com/office/drawing/2014/main" id="{96FDC9FB-2B9D-492C-AF22-4E4A8F7C4D65}"/>
+              </a:ext>
+            </a:extLst>
+          </p:cNvPr>
+          <p:cNvCxnSpPr/>
+          <p:nvPr/>
+        </p:nvCxnSpPr>
+        <p:spPr>
+          <a:xfrm>
+            <a:off x="406400" y="1485900"/>
+            <a:ext cx="11506200" cy="0"/>
+          </a:xfrm>
+          <a:prstGeom prst="line">
+            <a:avLst/>
+          </a:prstGeom>
+          <a:ln w="57150">
+            <a:solidFill>
+              <a:schemeClr val="accent4">
+                <a:lumMod val="20000"/>
+                <a:lumOff val="80000"/>
+              </a:schemeClr>
+            </a:solidFill>
+          </a:ln>
+        </p:spPr>
+        <p:style>
+          <a:lnRef idx="1">
+            <a:schemeClr val="accent1"/>
+          </a:lnRef>
+          <a:fillRef idx="0">
+            <a:schemeClr val="accent1"/>
+          </a:fillRef>
+          <a:effectRef idx="0">
+            <a:schemeClr val="accent1"/>
+          </a:effectRef>
+          <a:fontRef idx="minor">
+            <a:schemeClr val="tx1"/>
+          </a:fontRef>
+        </p:style>
+      </p:cxnSp>
+      <p:cxnSp>
+        <p:nvCxnSpPr>
+          <p:cNvPr id="6" name="직선 연결선 5">
+            <a:extLst>
+              <a:ext uri="{FF2B5EF4-FFF2-40B4-BE49-F238E27FC236}">
+                <a16:creationId xmlns:a16="http://schemas.microsoft.com/office/drawing/2014/main" id="{08916B61-4ED5-4659-BD8D-B87605F718CC}"/>
+              </a:ext>
+            </a:extLst>
+          </p:cNvPr>
+          <p:cNvCxnSpPr/>
+          <p:nvPr/>
+        </p:nvCxnSpPr>
+        <p:spPr>
+          <a:xfrm>
+            <a:off x="723900" y="901700"/>
+            <a:ext cx="0" cy="5575300"/>
+          </a:xfrm>
+          <a:prstGeom prst="line">
+            <a:avLst/>
+          </a:prstGeom>
+          <a:ln w="57150">
+            <a:solidFill>
+              <a:schemeClr val="accent4">
+                <a:lumMod val="75000"/>
+              </a:schemeClr>
+            </a:solidFill>
+          </a:ln>
+        </p:spPr>
+        <p:style>
+          <a:lnRef idx="1">
+            <a:schemeClr val="accent1"/>
+          </a:lnRef>
+          <a:fillRef idx="0">
+            <a:schemeClr val="accent1"/>
+          </a:fillRef>
+          <a:effectRef idx="0">
+            <a:schemeClr val="accent1"/>
+          </a:effectRef>
+          <a:fontRef idx="minor">
+            <a:schemeClr val="tx1"/>
+          </a:fontRef>
+        </p:style>
+      </p:cxnSp>
+      <p:pic>
+        <p:nvPicPr>
+          <p:cNvPr id="10" name="내용 개체 틀 3">
+            <a:extLst>
+              <a:ext uri="{FF2B5EF4-FFF2-40B4-BE49-F238E27FC236}">
+                <a16:creationId xmlns:a16="http://schemas.microsoft.com/office/drawing/2014/main" id="{98C9B124-BF23-4C97-B459-EFD03B55F701}"/>
+              </a:ext>
+            </a:extLst>
+          </p:cNvPr>
+          <p:cNvPicPr>
+            <a:picLocks noGrp="1" noChangeAspect="1"/>
+          </p:cNvPicPr>
+          <p:nvPr>
+            <p:ph idx="1"/>
+          </p:nvPr>
+        </p:nvPicPr>
+        <p:blipFill rotWithShape="1">
+          <a:blip r:embed="rId2"/>
+          <a:srcRect t="8683" b="8006"/>
+          <a:stretch/>
+        </p:blipFill>
+        <p:spPr>
+          <a:xfrm>
+            <a:off x="974899" y="1845425"/>
+            <a:ext cx="7099058" cy="2768139"/>
+          </a:xfrm>
+          <a:prstGeom prst="rect">
+            <a:avLst/>
+          </a:prstGeom>
+        </p:spPr>
+      </p:pic>
+      <p:sp>
+        <p:nvSpPr>
+          <p:cNvPr id="11" name="직사각형 10"/>
+          <p:cNvSpPr/>
+          <p:nvPr/>
+        </p:nvSpPr>
+        <p:spPr>
+          <a:xfrm>
+            <a:off x="838200" y="1690688"/>
+            <a:ext cx="7441276" cy="2997690"/>
+          </a:xfrm>
+          <a:prstGeom prst="rect">
+            <a:avLst/>
+          </a:prstGeom>
+          <a:noFill/>
+          <a:ln w="38100">
+            <a:solidFill>
+              <a:srgbClr val="7030A0"/>
+            </a:solidFill>
+          </a:ln>
+        </p:spPr>
+        <p:style>
+          <a:lnRef idx="2">
+            <a:schemeClr val="accent1">
+              <a:shade val="50000"/>
+            </a:schemeClr>
+          </a:lnRef>
+          <a:fillRef idx="1">
+            <a:schemeClr val="accent1"/>
+          </a:fillRef>
+          <a:effectRef idx="0">
+            <a:schemeClr val="accent1"/>
+          </a:effectRef>
+          <a:fontRef idx="minor">
+            <a:schemeClr val="lt1"/>
+          </a:fontRef>
+        </p:style>
+        <p:txBody>
+          <a:bodyPr rtlCol="0" anchor="ctr"/>
+          <a:lstStyle/>
+          <a:p>
+            <a:pPr algn="ctr"/>
+            <a:endParaRPr lang="ko-KR" altLang="en-US"/>
+          </a:p>
+        </p:txBody>
+      </p:sp>
+      <p:sp>
+        <p:nvSpPr>
+          <p:cNvPr id="12" name="TextBox 11"/>
+          <p:cNvSpPr txBox="1"/>
+          <p:nvPr/>
+        </p:nvSpPr>
+        <p:spPr>
+          <a:xfrm>
+            <a:off x="8670173" y="3229494"/>
+            <a:ext cx="1420582" cy="369332"/>
+          </a:xfrm>
+          <a:prstGeom prst="rect">
+            <a:avLst/>
+          </a:prstGeom>
+          <a:noFill/>
+        </p:spPr>
+        <p:txBody>
+          <a:bodyPr wrap="none" rtlCol="0">
+            <a:spAutoFit/>
+          </a:bodyPr>
+          <a:lstStyle/>
+          <a:p>
+            <a:r>
+              <a:rPr lang="ko-KR" altLang="en-US" dirty="0" smtClean="0"/>
+              <a:t>내부 스키마</a:t>
+            </a:r>
+            <a:endParaRPr lang="ko-KR" altLang="en-US" dirty="0"/>
+          </a:p>
+        </p:txBody>
+      </p:sp>
+      <p:cxnSp>
+        <p:nvCxnSpPr>
+          <p:cNvPr id="13" name="직선 화살표 연결선 12"/>
+          <p:cNvCxnSpPr/>
+          <p:nvPr/>
+        </p:nvCxnSpPr>
+        <p:spPr>
+          <a:xfrm flipH="1">
+            <a:off x="7838614" y="3406695"/>
+            <a:ext cx="831559" cy="0"/>
+          </a:xfrm>
+          <a:prstGeom prst="straightConnector1">
+            <a:avLst/>
+          </a:prstGeom>
+          <a:ln w="38100">
+            <a:solidFill>
+              <a:srgbClr val="7030A0"/>
+            </a:solidFill>
+            <a:tailEnd type="triangle"/>
+          </a:ln>
+        </p:spPr>
+        <p:style>
+          <a:lnRef idx="1">
+            <a:schemeClr val="accent1"/>
+          </a:lnRef>
+          <a:fillRef idx="0">
+            <a:schemeClr val="accent1"/>
+          </a:fillRef>
+          <a:effectRef idx="0">
+            <a:schemeClr val="accent1"/>
+          </a:effectRef>
+          <a:fontRef idx="minor">
+            <a:schemeClr val="tx1"/>
+          </a:fontRef>
+        </p:style>
+      </p:cxnSp>
+      <p:sp>
+        <p:nvSpPr>
+          <p:cNvPr id="14" name="TextBox 13"/>
+          <p:cNvSpPr txBox="1"/>
+          <p:nvPr/>
+        </p:nvSpPr>
+        <p:spPr>
+          <a:xfrm>
+            <a:off x="8670173" y="2274888"/>
+            <a:ext cx="1874231" cy="646331"/>
+          </a:xfrm>
+          <a:prstGeom prst="rect">
+            <a:avLst/>
+          </a:prstGeom>
+          <a:noFill/>
+        </p:spPr>
+        <p:txBody>
+          <a:bodyPr wrap="none" rtlCol="0">
+            <a:spAutoFit/>
+          </a:bodyPr>
+          <a:lstStyle/>
+          <a:p>
+            <a:r>
+              <a:rPr lang="ko-KR" altLang="en-US" dirty="0" smtClean="0"/>
+              <a:t>내부 단계</a:t>
+            </a:r>
+            <a:endParaRPr lang="en-US" altLang="ko-KR" dirty="0" smtClean="0"/>
+          </a:p>
+          <a:p>
+            <a:r>
+              <a:rPr lang="en-US" altLang="ko-KR" dirty="0" smtClean="0"/>
+              <a:t>(</a:t>
+            </a:r>
+            <a:r>
+              <a:rPr lang="ko-KR" altLang="en-US" dirty="0" smtClean="0"/>
+              <a:t>저장 장치 관점</a:t>
+            </a:r>
+            <a:r>
+              <a:rPr lang="en-US" altLang="ko-KR" dirty="0" smtClean="0"/>
+              <a:t>)</a:t>
+            </a:r>
+            <a:endParaRPr lang="ko-KR" altLang="en-US" dirty="0"/>
+          </a:p>
+        </p:txBody>
+      </p:sp>
+      <p:sp>
+        <p:nvSpPr>
+          <p:cNvPr id="15" name="원통 14"/>
+          <p:cNvSpPr/>
+          <p:nvPr/>
+        </p:nvSpPr>
+        <p:spPr>
+          <a:xfrm>
+            <a:off x="3419848" y="5289885"/>
+            <a:ext cx="2277979" cy="1187115"/>
+          </a:xfrm>
+          <a:prstGeom prst="can">
+            <a:avLst/>
+          </a:prstGeom>
+        </p:spPr>
+        <p:style>
+          <a:lnRef idx="2">
+            <a:schemeClr val="accent1">
+              <a:shade val="50000"/>
+            </a:schemeClr>
+          </a:lnRef>
+          <a:fillRef idx="1">
+            <a:schemeClr val="accent1"/>
+          </a:fillRef>
+          <a:effectRef idx="0">
+            <a:schemeClr val="accent1"/>
+          </a:effectRef>
+          <a:fontRef idx="minor">
+            <a:schemeClr val="lt1"/>
+          </a:fontRef>
+        </p:style>
+        <p:txBody>
+          <a:bodyPr rtlCol="0" anchor="ctr"/>
+          <a:lstStyle/>
+          <a:p>
+            <a:pPr algn="ctr"/>
+            <a:r>
+              <a:rPr lang="en-US" altLang="ko-KR" sz="4400" dirty="0" smtClean="0"/>
+              <a:t>DB</a:t>
+            </a:r>
+            <a:endParaRPr lang="ko-KR" altLang="en-US" sz="4400" dirty="0"/>
+          </a:p>
+        </p:txBody>
+      </p:sp>
+    </p:spTree>
+    <p:extLst>
+      <p:ext uri="{BB962C8B-B14F-4D97-AF65-F5344CB8AC3E}">
+        <p14:creationId xmlns:p14="http://schemas.microsoft.com/office/powerpoint/2010/main" val="184904443"/>
+      </p:ext>
+    </p:extLst>
+  </p:cSld>
+  <p:clrMapOvr>
+    <a:masterClrMapping/>
+  </p:clrMapOvr>
+</p:sld>
+</file>
+
+<file path=ppt/slides/slide23.xml><?xml version="1.0" encoding="utf-8"?>
+<p:sld xmlns:a="http://schemas.openxmlformats.org/drawingml/2006/main" xmlns:r="http://schemas.openxmlformats.org/officeDocument/2006/relationships" xmlns:p="http://schemas.openxmlformats.org/presentationml/2006/main">
+  <p:cSld>
+    <p:spTree>
+      <p:nvGrpSpPr>
+        <p:cNvPr id="1" name=""/>
+        <p:cNvGrpSpPr/>
+        <p:nvPr/>
+      </p:nvGrpSpPr>
+      <p:grpSpPr>
+        <a:xfrm>
+          <a:off x="0" y="0"/>
+          <a:ext cx="0" cy="0"/>
+          <a:chOff x="0" y="0"/>
+          <a:chExt cx="0" cy="0"/>
+        </a:xfrm>
+      </p:grpSpPr>
+      <p:pic>
+        <p:nvPicPr>
+          <p:cNvPr id="4" name="내용 개체 틀 3"/>
+          <p:cNvPicPr>
+            <a:picLocks noGrp="1" noChangeAspect="1"/>
+          </p:cNvPicPr>
+          <p:nvPr>
+            <p:ph idx="1"/>
+          </p:nvPr>
+        </p:nvPicPr>
+        <p:blipFill>
+          <a:blip r:embed="rId2"/>
+          <a:stretch>
+            <a:fillRect/>
+          </a:stretch>
+        </p:blipFill>
+        <p:spPr>
+          <a:xfrm>
+            <a:off x="1889107" y="684592"/>
+            <a:ext cx="7545839" cy="5433575"/>
+          </a:xfrm>
+          <a:prstGeom prst="rect">
+            <a:avLst/>
+          </a:prstGeom>
+        </p:spPr>
+      </p:pic>
+    </p:spTree>
+    <p:extLst>
+      <p:ext uri="{BB962C8B-B14F-4D97-AF65-F5344CB8AC3E}">
+        <p14:creationId xmlns:p14="http://schemas.microsoft.com/office/powerpoint/2010/main" val="1943426343"/>
+      </p:ext>
+    </p:extLst>
+  </p:cSld>
+  <p:clrMapOvr>
+    <a:masterClrMapping/>
+  </p:clrMapOvr>
+</p:sld>
+</file>
+
+<file path=ppt/slides/slide24.xml><?xml version="1.0" encoding="utf-8"?>
+<p:sld xmlns:a="http://schemas.openxmlformats.org/drawingml/2006/main" xmlns:r="http://schemas.openxmlformats.org/officeDocument/2006/relationships" xmlns:p="http://schemas.openxmlformats.org/presentationml/2006/main">
+  <p:cSld>
+    <p:spTree>
+      <p:nvGrpSpPr>
+        <p:cNvPr id="1" name=""/>
+        <p:cNvGrpSpPr/>
+        <p:nvPr/>
+      </p:nvGrpSpPr>
+      <p:grpSpPr>
+        <a:xfrm>
+          <a:off x="0" y="0"/>
+          <a:ext cx="0" cy="0"/>
+          <a:chOff x="0" y="0"/>
+          <a:chExt cx="0" cy="0"/>
+        </a:xfrm>
+      </p:grpSpPr>
+      <p:pic>
+        <p:nvPicPr>
+          <p:cNvPr id="1026" name="Picture 2" descr="[데이터베이스]대충 DB 요약1_기본개념(릴레이션, 스키마, 키, 무결성)"/>
+          <p:cNvPicPr>
+            <a:picLocks noGrp="1" noChangeAspect="1" noChangeArrowheads="1"/>
+          </p:cNvPicPr>
+          <p:nvPr>
+            <p:ph idx="1"/>
+          </p:nvPr>
+        </p:nvPicPr>
+        <p:blipFill>
+          <a:blip r:embed="rId2">
+            <a:extLst>
+              <a:ext uri="{28A0092B-C50C-407E-A947-70E740481C1C}">
+                <a14:useLocalDpi xmlns:a14="http://schemas.microsoft.com/office/drawing/2010/main" val="0"/>
+              </a:ext>
+            </a:extLst>
+          </a:blip>
+          <a:srcRect/>
+          <a:stretch>
+            <a:fillRect/>
+          </a:stretch>
+        </p:blipFill>
+        <p:spPr bwMode="auto">
+          <a:xfrm>
+            <a:off x="288758" y="304800"/>
+            <a:ext cx="11630526" cy="6416841"/>
+          </a:xfrm>
+          <a:prstGeom prst="rect">
+            <a:avLst/>
+          </a:prstGeom>
+          <a:noFill/>
+          <a:extLst>
+            <a:ext uri="{909E8E84-426E-40DD-AFC4-6F175D3DCCD1}">
+              <a14:hiddenFill xmlns:a14="http://schemas.microsoft.com/office/drawing/2010/main">
+                <a:solidFill>
+                  <a:srgbClr val="FFFFFF"/>
+                </a:solidFill>
+              </a14:hiddenFill>
+            </a:ext>
+          </a:extLst>
+        </p:spPr>
+      </p:pic>
+    </p:spTree>
+    <p:extLst>
+      <p:ext uri="{BB962C8B-B14F-4D97-AF65-F5344CB8AC3E}">
+        <p14:creationId xmlns:p14="http://schemas.microsoft.com/office/powerpoint/2010/main" val="2253102129"/>
+      </p:ext>
+    </p:extLst>
+  </p:cSld>
+  <p:clrMapOvr>
+    <a:masterClrMapping/>
+  </p:clrMapOvr>
+</p:sld>
+</file>
+
+<file path=ppt/slides/slide25.xml><?xml version="1.0" encoding="utf-8"?>
+<p:sld xmlns:a="http://schemas.openxmlformats.org/drawingml/2006/main" xmlns:r="http://schemas.openxmlformats.org/officeDocument/2006/relationships" xmlns:p="http://schemas.openxmlformats.org/presentationml/2006/main">
+  <p:cSld>
+    <p:spTree>
+      <p:nvGrpSpPr>
+        <p:cNvPr id="1" name=""/>
+        <p:cNvGrpSpPr/>
+        <p:nvPr/>
+      </p:nvGrpSpPr>
+      <p:grpSpPr>
+        <a:xfrm>
+          <a:off x="0" y="0"/>
+          <a:ext cx="0" cy="0"/>
+          <a:chOff x="0" y="0"/>
+          <a:chExt cx="0" cy="0"/>
+        </a:xfrm>
+      </p:grpSpPr>
+      <p:pic>
+        <p:nvPicPr>
+          <p:cNvPr id="2050" name="Picture 2" descr="3장. 관계 데이터 모델과 관계 무결성 제약조건"/>
+          <p:cNvPicPr>
+            <a:picLocks noGrp="1" noChangeAspect="1" noChangeArrowheads="1"/>
+          </p:cNvPicPr>
+          <p:nvPr>
+            <p:ph idx="1"/>
+          </p:nvPr>
+        </p:nvPicPr>
+        <p:blipFill rotWithShape="1">
+          <a:blip r:embed="rId2">
+            <a:extLst>
+              <a:ext uri="{28A0092B-C50C-407E-A947-70E740481C1C}">
+                <a14:useLocalDpi xmlns:a14="http://schemas.microsoft.com/office/drawing/2010/main" val="0"/>
+              </a:ext>
+            </a:extLst>
+          </a:blip>
+          <a:srcRect b="11198"/>
+          <a:stretch/>
+        </p:blipFill>
+        <p:spPr bwMode="auto">
+          <a:xfrm>
+            <a:off x="838200" y="449179"/>
+            <a:ext cx="10515600" cy="6176209"/>
+          </a:xfrm>
+          <a:prstGeom prst="rect">
+            <a:avLst/>
+          </a:prstGeom>
+          <a:noFill/>
+          <a:extLst>
+            <a:ext uri="{909E8E84-426E-40DD-AFC4-6F175D3DCCD1}">
+              <a14:hiddenFill xmlns:a14="http://schemas.microsoft.com/office/drawing/2010/main">
+                <a:solidFill>
+                  <a:srgbClr val="FFFFFF"/>
+                </a:solidFill>
+              </a14:hiddenFill>
+            </a:ext>
+          </a:extLst>
+        </p:spPr>
+      </p:pic>
+    </p:spTree>
+    <p:extLst>
+      <p:ext uri="{BB962C8B-B14F-4D97-AF65-F5344CB8AC3E}">
+        <p14:creationId xmlns:p14="http://schemas.microsoft.com/office/powerpoint/2010/main" val="3564252458"/>
+      </p:ext>
+    </p:extLst>
+  </p:cSld>
+  <p:clrMapOvr>
+    <a:masterClrMapping/>
+  </p:clrMapOvr>
+</p:sld>
+</file>
+
+<file path=ppt/slides/slide26.xml><?xml version="1.0" encoding="utf-8"?>
+<p:sld xmlns:a="http://schemas.openxmlformats.org/drawingml/2006/main" xmlns:r="http://schemas.openxmlformats.org/officeDocument/2006/relationships" xmlns:p="http://schemas.openxmlformats.org/presentationml/2006/main">
+  <p:cSld>
+    <p:spTree>
+      <p:nvGrpSpPr>
+        <p:cNvPr id="1" name=""/>
+        <p:cNvGrpSpPr/>
+        <p:nvPr/>
+      </p:nvGrpSpPr>
+      <p:grpSpPr>
+        <a:xfrm>
+          <a:off x="0" y="0"/>
+          <a:ext cx="0" cy="0"/>
+          <a:chOff x="0" y="0"/>
+          <a:chExt cx="0" cy="0"/>
+        </a:xfrm>
+      </p:grpSpPr>
+      <p:sp>
+        <p:nvSpPr>
+          <p:cNvPr id="2" name="제목 1"/>
+          <p:cNvSpPr>
+            <a:spLocks noGrp="1"/>
+          </p:cNvSpPr>
+          <p:nvPr>
+            <p:ph type="title"/>
+          </p:nvPr>
+        </p:nvSpPr>
+        <p:spPr/>
+        <p:txBody>
+          <a:bodyPr/>
+          <a:lstStyle/>
+          <a:p>
+            <a:endParaRPr lang="ko-KR" altLang="en-US" dirty="0"/>
+          </a:p>
+        </p:txBody>
+      </p:sp>
+      <p:sp>
+        <p:nvSpPr>
+          <p:cNvPr id="4" name="내용 개체 틀 3"/>
+          <p:cNvSpPr>
+            <a:spLocks noGrp="1"/>
+          </p:cNvSpPr>
+          <p:nvPr>
+            <p:ph idx="1"/>
+          </p:nvPr>
+        </p:nvSpPr>
+        <p:spPr/>
+        <p:txBody>
+          <a:bodyPr/>
+          <a:lstStyle/>
+          <a:p>
+            <a:endParaRPr lang="ko-KR" altLang="en-US"/>
+          </a:p>
+        </p:txBody>
+      </p:sp>
+    </p:spTree>
+    <p:extLst>
+      <p:ext uri="{BB962C8B-B14F-4D97-AF65-F5344CB8AC3E}">
+        <p14:creationId xmlns:p14="http://schemas.microsoft.com/office/powerpoint/2010/main" val="4138600758"/>
       </p:ext>
     </p:extLst>
   </p:cSld>
@@ -6266,13 +7912,7 @@
       </p:grpSpPr>
       <p:sp>
         <p:nvSpPr>
-          <p:cNvPr id="2" name="제목 1">
-            <a:extLst>
-              <a:ext uri="{FF2B5EF4-FFF2-40B4-BE49-F238E27FC236}">
-                <a16:creationId xmlns:a16="http://schemas.microsoft.com/office/drawing/2014/main" id="{B0BBA637-F848-4721-964F-A77567AD1017}"/>
-              </a:ext>
-            </a:extLst>
-          </p:cNvPr>
+          <p:cNvPr id="2" name="제목 1"/>
           <p:cNvSpPr>
             <a:spLocks noGrp="1"/>
           </p:cNvSpPr>
@@ -6286,192 +7926,27 @@
           <a:lstStyle/>
           <a:p>
             <a:r>
-              <a:rPr lang="en-US" altLang="ko-KR" dirty="0"/>
-              <a:t>1. mySQL</a:t>
-            </a:r>
-            <a:r>
-              <a:rPr lang="ko-KR" altLang="en-US" dirty="0"/>
-              <a:t>과 </a:t>
-            </a:r>
-            <a:r>
-              <a:rPr lang="en-US" altLang="ko-KR" dirty="0"/>
-              <a:t>python </a:t>
-            </a:r>
-            <a:r>
-              <a:rPr lang="ko-KR" altLang="en-US" dirty="0"/>
-              <a:t>연결</a:t>
-            </a:r>
-          </a:p>
-        </p:txBody>
-      </p:sp>
-      <p:sp>
-        <p:nvSpPr>
-          <p:cNvPr id="3" name="내용 개체 틀 2">
-            <a:extLst>
-              <a:ext uri="{FF2B5EF4-FFF2-40B4-BE49-F238E27FC236}">
-                <a16:creationId xmlns:a16="http://schemas.microsoft.com/office/drawing/2014/main" id="{A64E8FDD-95AD-4F5F-A031-888CC8D23A31}"/>
-              </a:ext>
-            </a:extLst>
-          </p:cNvPr>
-          <p:cNvSpPr>
-            <a:spLocks noGrp="1"/>
-          </p:cNvSpPr>
-          <p:nvPr>
-            <p:ph idx="1"/>
-          </p:nvPr>
-        </p:nvSpPr>
-        <p:spPr/>
-        <p:txBody>
-          <a:bodyPr/>
-          <a:lstStyle/>
-          <a:p>
-            <a:r>
-              <a:rPr lang="en-US" altLang="ko-KR" dirty="0"/>
-              <a:t>pymysql </a:t>
-            </a:r>
-            <a:r>
-              <a:rPr lang="ko-KR" altLang="en-US" dirty="0"/>
-              <a:t>모듈</a:t>
-            </a:r>
-            <a:r>
-              <a:rPr lang="en-US" altLang="ko-KR" dirty="0"/>
-              <a:t> </a:t>
-            </a:r>
-            <a:r>
-              <a:rPr lang="ko-KR" altLang="en-US" dirty="0"/>
-              <a:t>설치</a:t>
-            </a:r>
-            <a:endParaRPr lang="en-US" altLang="ko-KR" dirty="0"/>
-          </a:p>
-          <a:p>
-            <a:endParaRPr lang="en-US" altLang="ko-KR" dirty="0"/>
-          </a:p>
-          <a:p>
-            <a:pPr marL="0" indent="0">
-              <a:buNone/>
-            </a:pPr>
-            <a:endParaRPr lang="ko-KR" altLang="en-US" dirty="0"/>
-          </a:p>
-        </p:txBody>
-      </p:sp>
-      <p:pic>
-        <p:nvPicPr>
-          <p:cNvPr id="4" name="그림 3">
-            <a:extLst>
-              <a:ext uri="{FF2B5EF4-FFF2-40B4-BE49-F238E27FC236}">
-                <a16:creationId xmlns:a16="http://schemas.microsoft.com/office/drawing/2014/main" id="{5ECB3D78-342C-41DF-AE12-89696549739D}"/>
-              </a:ext>
-            </a:extLst>
-          </p:cNvPr>
-          <p:cNvPicPr>
-            <a:picLocks noChangeAspect="1"/>
-          </p:cNvPicPr>
-          <p:nvPr/>
-        </p:nvPicPr>
-        <p:blipFill>
-          <a:blip r:embed="rId2"/>
-          <a:stretch>
-            <a:fillRect/>
-          </a:stretch>
-        </p:blipFill>
-        <p:spPr>
-          <a:xfrm>
-            <a:off x="1193800" y="5072870"/>
-            <a:ext cx="8692927" cy="1239029"/>
-          </a:xfrm>
-          <a:prstGeom prst="rect">
-            <a:avLst/>
-          </a:prstGeom>
-        </p:spPr>
-      </p:pic>
-      <p:pic>
-        <p:nvPicPr>
-          <p:cNvPr id="5" name="그림 4">
-            <a:extLst>
-              <a:ext uri="{FF2B5EF4-FFF2-40B4-BE49-F238E27FC236}">
-                <a16:creationId xmlns:a16="http://schemas.microsoft.com/office/drawing/2014/main" id="{3608A50A-CE9F-4D23-B809-B33EC36FA16B}"/>
-              </a:ext>
-            </a:extLst>
-          </p:cNvPr>
-          <p:cNvPicPr>
-            <a:picLocks noChangeAspect="1"/>
-          </p:cNvPicPr>
-          <p:nvPr/>
-        </p:nvPicPr>
-        <p:blipFill>
-          <a:blip r:embed="rId3"/>
-          <a:stretch>
-            <a:fillRect/>
-          </a:stretch>
-        </p:blipFill>
-        <p:spPr>
-          <a:xfrm>
-            <a:off x="1193800" y="2483659"/>
-            <a:ext cx="10619377" cy="2215341"/>
-          </a:xfrm>
-          <a:prstGeom prst="rect">
-            <a:avLst/>
-          </a:prstGeom>
-        </p:spPr>
-      </p:pic>
-      <p:sp>
-        <p:nvSpPr>
-          <p:cNvPr id="6" name="직사각형 5">
-            <a:extLst>
-              <a:ext uri="{FF2B5EF4-FFF2-40B4-BE49-F238E27FC236}">
-                <a16:creationId xmlns:a16="http://schemas.microsoft.com/office/drawing/2014/main" id="{1796C820-445F-4D29-9207-9BC5C0FF4318}"/>
-              </a:ext>
-            </a:extLst>
-          </p:cNvPr>
-          <p:cNvSpPr/>
-          <p:nvPr/>
-        </p:nvSpPr>
-        <p:spPr>
-          <a:xfrm>
-            <a:off x="4318000" y="2349500"/>
-            <a:ext cx="2184400" cy="431800"/>
-          </a:xfrm>
-          <a:prstGeom prst="rect">
-            <a:avLst/>
-          </a:prstGeom>
-          <a:noFill/>
-          <a:ln w="19050">
-            <a:solidFill>
-              <a:srgbClr val="FF0000"/>
-            </a:solidFill>
-          </a:ln>
-        </p:spPr>
-        <p:style>
-          <a:lnRef idx="2">
-            <a:schemeClr val="accent1">
-              <a:shade val="50000"/>
-            </a:schemeClr>
-          </a:lnRef>
-          <a:fillRef idx="1">
-            <a:schemeClr val="accent1"/>
-          </a:fillRef>
-          <a:effectRef idx="0">
-            <a:schemeClr val="accent1"/>
-          </a:effectRef>
-          <a:fontRef idx="minor">
-            <a:schemeClr val="lt1"/>
-          </a:fontRef>
-        </p:style>
-        <p:txBody>
-          <a:bodyPr rtlCol="0" anchor="ctr"/>
-          <a:lstStyle/>
-          <a:p>
-            <a:pPr algn="ctr"/>
+              <a:rPr lang="en-US" altLang="ko-KR" dirty="0" smtClean="0"/>
+              <a:t>00.SQL </a:t>
+            </a:r>
+            <a:r>
+              <a:rPr lang="ko-KR" altLang="en-US" dirty="0" smtClean="0"/>
+              <a:t>기초 </a:t>
+            </a:r>
+            <a:r>
+              <a:rPr lang="en-US" altLang="ko-KR" dirty="0" smtClean="0"/>
+              <a:t>- commit vs rollback</a:t>
+            </a:r>
             <a:endParaRPr lang="ko-KR" altLang="en-US" dirty="0"/>
           </a:p>
         </p:txBody>
       </p:sp>
       <p:cxnSp>
         <p:nvCxnSpPr>
-          <p:cNvPr id="8" name="직선 연결선 7">
-            <a:extLst>
-              <a:ext uri="{FF2B5EF4-FFF2-40B4-BE49-F238E27FC236}">
-                <a16:creationId xmlns:a16="http://schemas.microsoft.com/office/drawing/2014/main" id="{28411659-DC2A-44DD-A477-128366DC68CA}"/>
+          <p:cNvPr id="5" name="직선 연결선 4">
+            <a:extLst>
+              <a:ext uri="{FF2B5EF4-FFF2-40B4-BE49-F238E27FC236}">
+                <a16:creationId xmlns:a16="http://schemas.microsoft.com/office/drawing/2014/main" id="{80AD2049-D9FE-4C77-8434-3C0FFF74B4CE}"/>
               </a:ext>
             </a:extLst>
           </p:cNvPr>
@@ -6512,10 +7987,10 @@
       </p:cxnSp>
       <p:cxnSp>
         <p:nvCxnSpPr>
-          <p:cNvPr id="10" name="직선 연결선 9">
-            <a:extLst>
-              <a:ext uri="{FF2B5EF4-FFF2-40B4-BE49-F238E27FC236}">
-                <a16:creationId xmlns:a16="http://schemas.microsoft.com/office/drawing/2014/main" id="{3D8EAB1F-06D6-466A-939F-D872C47FAB5D}"/>
+          <p:cNvPr id="6" name="직선 연결선 5">
+            <a:extLst>
+              <a:ext uri="{FF2B5EF4-FFF2-40B4-BE49-F238E27FC236}">
+                <a16:creationId xmlns:a16="http://schemas.microsoft.com/office/drawing/2014/main" id="{A3556511-A298-4EB9-8222-6562714C3330}"/>
               </a:ext>
             </a:extLst>
           </p:cNvPr>
@@ -6553,10 +8028,36 @@
           </a:fontRef>
         </p:style>
       </p:cxnSp>
+      <p:pic>
+        <p:nvPicPr>
+          <p:cNvPr id="8" name="내용 개체 틀 7"/>
+          <p:cNvPicPr>
+            <a:picLocks noGrp="1" noChangeAspect="1"/>
+          </p:cNvPicPr>
+          <p:nvPr>
+            <p:ph idx="1"/>
+          </p:nvPr>
+        </p:nvPicPr>
+        <p:blipFill>
+          <a:blip r:embed="rId2"/>
+          <a:stretch>
+            <a:fillRect/>
+          </a:stretch>
+        </p:blipFill>
+        <p:spPr>
+          <a:xfrm>
+            <a:off x="1041401" y="1690687"/>
+            <a:ext cx="6149108" cy="5084839"/>
+          </a:xfrm>
+          <a:prstGeom prst="rect">
+            <a:avLst/>
+          </a:prstGeom>
+        </p:spPr>
+      </p:pic>
     </p:spTree>
     <p:extLst>
       <p:ext uri="{BB962C8B-B14F-4D97-AF65-F5344CB8AC3E}">
-        <p14:creationId xmlns:p14="http://schemas.microsoft.com/office/powerpoint/2010/main" val="1079998526"/>
+        <p14:creationId xmlns:p14="http://schemas.microsoft.com/office/powerpoint/2010/main" val="2425027149"/>
       </p:ext>
     </p:extLst>
   </p:cSld>
@@ -6588,7 +8089,7 @@
           <p:cNvPr id="2" name="제목 1">
             <a:extLst>
               <a:ext uri="{FF2B5EF4-FFF2-40B4-BE49-F238E27FC236}">
-                <a16:creationId xmlns:a16="http://schemas.microsoft.com/office/drawing/2014/main" id="{2E060CB6-1FD8-40AA-8DB8-D535308DBDB8}"/>
+                <a16:creationId xmlns:a16="http://schemas.microsoft.com/office/drawing/2014/main" id="{B0BBA637-F848-4721-964F-A77567AD1017}"/>
               </a:ext>
             </a:extLst>
           </p:cNvPr>
@@ -6623,21 +8124,69 @@
           </a:p>
         </p:txBody>
       </p:sp>
+      <p:sp>
+        <p:nvSpPr>
+          <p:cNvPr id="3" name="내용 개체 틀 2">
+            <a:extLst>
+              <a:ext uri="{FF2B5EF4-FFF2-40B4-BE49-F238E27FC236}">
+                <a16:creationId xmlns:a16="http://schemas.microsoft.com/office/drawing/2014/main" id="{A64E8FDD-95AD-4F5F-A031-888CC8D23A31}"/>
+              </a:ext>
+            </a:extLst>
+          </p:cNvPr>
+          <p:cNvSpPr>
+            <a:spLocks noGrp="1"/>
+          </p:cNvSpPr>
+          <p:nvPr>
+            <p:ph idx="1"/>
+          </p:nvPr>
+        </p:nvSpPr>
+        <p:spPr/>
+        <p:txBody>
+          <a:bodyPr/>
+          <a:lstStyle/>
+          <a:p>
+            <a:r>
+              <a:rPr lang="en-US" altLang="ko-KR" dirty="0"/>
+              <a:t>pymysql </a:t>
+            </a:r>
+            <a:r>
+              <a:rPr lang="ko-KR" altLang="en-US" dirty="0"/>
+              <a:t>모듈</a:t>
+            </a:r>
+            <a:r>
+              <a:rPr lang="en-US" altLang="ko-KR" dirty="0"/>
+              <a:t> </a:t>
+            </a:r>
+            <a:r>
+              <a:rPr lang="ko-KR" altLang="en-US" dirty="0"/>
+              <a:t>설치</a:t>
+            </a:r>
+            <a:endParaRPr lang="en-US" altLang="ko-KR" dirty="0"/>
+          </a:p>
+          <a:p>
+            <a:endParaRPr lang="en-US" altLang="ko-KR" dirty="0"/>
+          </a:p>
+          <a:p>
+            <a:pPr marL="0" indent="0">
+              <a:buNone/>
+            </a:pPr>
+            <a:endParaRPr lang="ko-KR" altLang="en-US" dirty="0"/>
+          </a:p>
+        </p:txBody>
+      </p:sp>
       <p:pic>
         <p:nvPicPr>
-          <p:cNvPr id="7" name="내용 개체 틀 6">
-            <a:extLst>
-              <a:ext uri="{FF2B5EF4-FFF2-40B4-BE49-F238E27FC236}">
-                <a16:creationId xmlns:a16="http://schemas.microsoft.com/office/drawing/2014/main" id="{E3B5618D-77CB-456E-9293-AE1BD6132994}"/>
+          <p:cNvPr id="4" name="그림 3">
+            <a:extLst>
+              <a:ext uri="{FF2B5EF4-FFF2-40B4-BE49-F238E27FC236}">
+                <a16:creationId xmlns:a16="http://schemas.microsoft.com/office/drawing/2014/main" id="{5ECB3D78-342C-41DF-AE12-89696549739D}"/>
               </a:ext>
             </a:extLst>
           </p:cNvPr>
           <p:cNvPicPr>
-            <a:picLocks noGrp="1" noChangeAspect="1"/>
+            <a:picLocks noChangeAspect="1"/>
           </p:cNvPicPr>
-          <p:nvPr>
-            <p:ph idx="1"/>
-          </p:nvPr>
+          <p:nvPr/>
         </p:nvPicPr>
         <p:blipFill>
           <a:blip r:embed="rId2"/>
@@ -6647,107 +8196,20 @@
         </p:blipFill>
         <p:spPr>
           <a:xfrm>
-            <a:off x="1041400" y="1690688"/>
-            <a:ext cx="6139575" cy="5048506"/>
+            <a:off x="1193800" y="5072870"/>
+            <a:ext cx="8692927" cy="1239029"/>
           </a:xfrm>
           <a:prstGeom prst="rect">
             <a:avLst/>
           </a:prstGeom>
         </p:spPr>
       </p:pic>
-      <p:cxnSp>
-        <p:nvCxnSpPr>
-          <p:cNvPr id="5" name="직선 연결선 4">
-            <a:extLst>
-              <a:ext uri="{FF2B5EF4-FFF2-40B4-BE49-F238E27FC236}">
-                <a16:creationId xmlns:a16="http://schemas.microsoft.com/office/drawing/2014/main" id="{96FDC9FB-2B9D-492C-AF22-4E4A8F7C4D65}"/>
-              </a:ext>
-            </a:extLst>
-          </p:cNvPr>
-          <p:cNvCxnSpPr/>
-          <p:nvPr/>
-        </p:nvCxnSpPr>
-        <p:spPr>
-          <a:xfrm>
-            <a:off x="406400" y="1485900"/>
-            <a:ext cx="11506200" cy="0"/>
-          </a:xfrm>
-          <a:prstGeom prst="line">
-            <a:avLst/>
-          </a:prstGeom>
-          <a:ln w="57150">
-            <a:solidFill>
-              <a:schemeClr val="accent4">
-                <a:lumMod val="20000"/>
-                <a:lumOff val="80000"/>
-              </a:schemeClr>
-            </a:solidFill>
-          </a:ln>
-        </p:spPr>
-        <p:style>
-          <a:lnRef idx="1">
-            <a:schemeClr val="accent1"/>
-          </a:lnRef>
-          <a:fillRef idx="0">
-            <a:schemeClr val="accent1"/>
-          </a:fillRef>
-          <a:effectRef idx="0">
-            <a:schemeClr val="accent1"/>
-          </a:effectRef>
-          <a:fontRef idx="minor">
-            <a:schemeClr val="tx1"/>
-          </a:fontRef>
-        </p:style>
-      </p:cxnSp>
-      <p:cxnSp>
-        <p:nvCxnSpPr>
-          <p:cNvPr id="6" name="직선 연결선 5">
-            <a:extLst>
-              <a:ext uri="{FF2B5EF4-FFF2-40B4-BE49-F238E27FC236}">
-                <a16:creationId xmlns:a16="http://schemas.microsoft.com/office/drawing/2014/main" id="{08916B61-4ED5-4659-BD8D-B87605F718CC}"/>
-              </a:ext>
-            </a:extLst>
-          </p:cNvPr>
-          <p:cNvCxnSpPr/>
-          <p:nvPr/>
-        </p:nvCxnSpPr>
-        <p:spPr>
-          <a:xfrm>
-            <a:off x="723900" y="901700"/>
-            <a:ext cx="0" cy="5575300"/>
-          </a:xfrm>
-          <a:prstGeom prst="line">
-            <a:avLst/>
-          </a:prstGeom>
-          <a:ln w="57150">
-            <a:solidFill>
-              <a:schemeClr val="accent4">
-                <a:lumMod val="75000"/>
-              </a:schemeClr>
-            </a:solidFill>
-          </a:ln>
-        </p:spPr>
-        <p:style>
-          <a:lnRef idx="1">
-            <a:schemeClr val="accent1"/>
-          </a:lnRef>
-          <a:fillRef idx="0">
-            <a:schemeClr val="accent1"/>
-          </a:fillRef>
-          <a:effectRef idx="0">
-            <a:schemeClr val="accent1"/>
-          </a:effectRef>
-          <a:fontRef idx="minor">
-            <a:schemeClr val="tx1"/>
-          </a:fontRef>
-        </p:style>
-      </p:cxnSp>
       <p:pic>
         <p:nvPicPr>
-          <p:cNvPr id="8" name="그림 7">
-            <a:extLst>
-              <a:ext uri="{FF2B5EF4-FFF2-40B4-BE49-F238E27FC236}">
-                <a16:creationId xmlns:a16="http://schemas.microsoft.com/office/drawing/2014/main" id="{12900BB2-CCB4-4881-9E0A-3FED71CD6E37}"/>
+          <p:cNvPr id="5" name="그림 4">
+            <a:extLst>
+              <a:ext uri="{FF2B5EF4-FFF2-40B4-BE49-F238E27FC236}">
+                <a16:creationId xmlns:a16="http://schemas.microsoft.com/office/drawing/2014/main" id="{3608A50A-CE9F-4D23-B809-B33EC36FA16B}"/>
               </a:ext>
             </a:extLst>
           </p:cNvPr>
@@ -6764,8 +8226,8 @@
         </p:blipFill>
         <p:spPr>
           <a:xfrm>
-            <a:off x="8012622" y="2459876"/>
-            <a:ext cx="3677343" cy="904743"/>
+            <a:off x="1193800" y="2483659"/>
+            <a:ext cx="10619377" cy="2215341"/>
           </a:xfrm>
           <a:prstGeom prst="rect">
             <a:avLst/>
@@ -6774,66 +8236,126 @@
       </p:pic>
       <p:sp>
         <p:nvSpPr>
-          <p:cNvPr id="9" name="TextBox 8">
-            <a:extLst>
-              <a:ext uri="{FF2B5EF4-FFF2-40B4-BE49-F238E27FC236}">
-                <a16:creationId xmlns:a16="http://schemas.microsoft.com/office/drawing/2014/main" id="{E03A02AF-6770-46A9-9CAA-7EF32D74719A}"/>
-              </a:ext>
-            </a:extLst>
-          </p:cNvPr>
-          <p:cNvSpPr txBox="1"/>
+          <p:cNvPr id="6" name="직사각형 5">
+            <a:extLst>
+              <a:ext uri="{FF2B5EF4-FFF2-40B4-BE49-F238E27FC236}">
+                <a16:creationId xmlns:a16="http://schemas.microsoft.com/office/drawing/2014/main" id="{1796C820-445F-4D29-9207-9BC5C0FF4318}"/>
+              </a:ext>
+            </a:extLst>
+          </p:cNvPr>
+          <p:cNvSpPr/>
           <p:nvPr/>
         </p:nvSpPr>
         <p:spPr>
           <a:xfrm>
-            <a:off x="7919207" y="1971413"/>
-            <a:ext cx="1189749" cy="369332"/>
+            <a:off x="4318000" y="2349500"/>
+            <a:ext cx="2184400" cy="431800"/>
           </a:xfrm>
           <a:prstGeom prst="rect">
             <a:avLst/>
           </a:prstGeom>
           <a:noFill/>
-        </p:spPr>
-        <p:txBody>
-          <a:bodyPr wrap="none" rtlCol="0">
-            <a:spAutoFit/>
-          </a:bodyPr>
+          <a:ln w="19050">
+            <a:solidFill>
+              <a:srgbClr val="FF0000"/>
+            </a:solidFill>
+          </a:ln>
+        </p:spPr>
+        <p:style>
+          <a:lnRef idx="2">
+            <a:schemeClr val="accent1">
+              <a:shade val="50000"/>
+            </a:schemeClr>
+          </a:lnRef>
+          <a:fillRef idx="1">
+            <a:schemeClr val="accent1"/>
+          </a:fillRef>
+          <a:effectRef idx="0">
+            <a:schemeClr val="accent1"/>
+          </a:effectRef>
+          <a:fontRef idx="minor">
+            <a:schemeClr val="lt1"/>
+          </a:fontRef>
+        </p:style>
+        <p:txBody>
+          <a:bodyPr rtlCol="0" anchor="ctr"/>
           <a:lstStyle/>
           <a:p>
-            <a:r>
-              <a:rPr lang="ko-KR" altLang="en-US" dirty="0"/>
-              <a:t>파일 이름</a:t>
-            </a:r>
+            <a:pPr algn="ctr"/>
+            <a:endParaRPr lang="ko-KR" altLang="en-US" dirty="0"/>
           </a:p>
         </p:txBody>
       </p:sp>
       <p:cxnSp>
         <p:nvCxnSpPr>
-          <p:cNvPr id="11" name="직선 화살표 연결선 10">
-            <a:extLst>
-              <a:ext uri="{FF2B5EF4-FFF2-40B4-BE49-F238E27FC236}">
-                <a16:creationId xmlns:a16="http://schemas.microsoft.com/office/drawing/2014/main" id="{3E77C30A-E90D-41BA-BBDB-8D067766F179}"/>
-              </a:ext>
-            </a:extLst>
-          </p:cNvPr>
-          <p:cNvCxnSpPr>
-            <a:cxnSpLocks/>
-          </p:cNvCxnSpPr>
+          <p:cNvPr id="8" name="직선 연결선 7">
+            <a:extLst>
+              <a:ext uri="{FF2B5EF4-FFF2-40B4-BE49-F238E27FC236}">
+                <a16:creationId xmlns:a16="http://schemas.microsoft.com/office/drawing/2014/main" id="{28411659-DC2A-44DD-A477-128366DC68CA}"/>
+              </a:ext>
+            </a:extLst>
+          </p:cNvPr>
+          <p:cNvCxnSpPr/>
           <p:nvPr/>
         </p:nvCxnSpPr>
         <p:spPr>
-          <a:xfrm flipH="1">
-            <a:off x="6896886" y="2912247"/>
-            <a:ext cx="1282380" cy="144915"/>
-          </a:xfrm>
-          <a:prstGeom prst="straightConnector1">
-            <a:avLst/>
-          </a:prstGeom>
-          <a:ln w="76200">
+          <a:xfrm>
+            <a:off x="406400" y="1485900"/>
+            <a:ext cx="11506200" cy="0"/>
+          </a:xfrm>
+          <a:prstGeom prst="line">
+            <a:avLst/>
+          </a:prstGeom>
+          <a:ln w="57150">
             <a:solidFill>
-              <a:srgbClr val="C00000"/>
+              <a:schemeClr val="accent4">
+                <a:lumMod val="20000"/>
+                <a:lumOff val="80000"/>
+              </a:schemeClr>
             </a:solidFill>
-            <a:tailEnd type="triangle"/>
+          </a:ln>
+        </p:spPr>
+        <p:style>
+          <a:lnRef idx="1">
+            <a:schemeClr val="accent1"/>
+          </a:lnRef>
+          <a:fillRef idx="0">
+            <a:schemeClr val="accent1"/>
+          </a:fillRef>
+          <a:effectRef idx="0">
+            <a:schemeClr val="accent1"/>
+          </a:effectRef>
+          <a:fontRef idx="minor">
+            <a:schemeClr val="tx1"/>
+          </a:fontRef>
+        </p:style>
+      </p:cxnSp>
+      <p:cxnSp>
+        <p:nvCxnSpPr>
+          <p:cNvPr id="10" name="직선 연결선 9">
+            <a:extLst>
+              <a:ext uri="{FF2B5EF4-FFF2-40B4-BE49-F238E27FC236}">
+                <a16:creationId xmlns:a16="http://schemas.microsoft.com/office/drawing/2014/main" id="{3D8EAB1F-06D6-466A-939F-D872C47FAB5D}"/>
+              </a:ext>
+            </a:extLst>
+          </p:cNvPr>
+          <p:cNvCxnSpPr/>
+          <p:nvPr/>
+        </p:nvCxnSpPr>
+        <p:spPr>
+          <a:xfrm>
+            <a:off x="723900" y="901700"/>
+            <a:ext cx="0" cy="5575300"/>
+          </a:xfrm>
+          <a:prstGeom prst="line">
+            <a:avLst/>
+          </a:prstGeom>
+          <a:ln w="57150">
+            <a:solidFill>
+              <a:schemeClr val="accent4">
+                <a:lumMod val="75000"/>
+              </a:schemeClr>
+            </a:solidFill>
           </a:ln>
         </p:spPr>
         <p:style>
@@ -6854,7 +8376,7 @@
     </p:spTree>
     <p:extLst>
       <p:ext uri="{BB962C8B-B14F-4D97-AF65-F5344CB8AC3E}">
-        <p14:creationId xmlns:p14="http://schemas.microsoft.com/office/powerpoint/2010/main" val="427920680"/>
+        <p14:creationId xmlns:p14="http://schemas.microsoft.com/office/powerpoint/2010/main" val="1079998526"/>
       </p:ext>
     </p:extLst>
   </p:cSld>
@@ -6904,75 +8426,55 @@
           <a:p>
             <a:r>
               <a:rPr lang="en-US" altLang="ko-KR" dirty="0"/>
-              <a:t>2. Table </a:t>
+              <a:t>1. mySQL</a:t>
             </a:r>
             <a:r>
               <a:rPr lang="ko-KR" altLang="en-US" dirty="0"/>
-              <a:t>만들기</a:t>
-            </a:r>
-          </a:p>
-        </p:txBody>
-      </p:sp>
-      <p:sp>
-        <p:nvSpPr>
-          <p:cNvPr id="3" name="내용 개체 틀 2">
-            <a:extLst>
-              <a:ext uri="{FF2B5EF4-FFF2-40B4-BE49-F238E27FC236}">
-                <a16:creationId xmlns:a16="http://schemas.microsoft.com/office/drawing/2014/main" id="{D7E57A6D-49A4-4CA5-BA0A-98AB56988CD6}"/>
-              </a:ext>
-            </a:extLst>
-          </p:cNvPr>
-          <p:cNvSpPr>
-            <a:spLocks noGrp="1"/>
-          </p:cNvSpPr>
+              <a:t>과 </a:t>
+            </a:r>
+            <a:r>
+              <a:rPr lang="en-US" altLang="ko-KR" dirty="0"/>
+              <a:t>python </a:t>
+            </a:r>
+            <a:r>
+              <a:rPr lang="ko-KR" altLang="en-US" dirty="0"/>
+              <a:t>연결</a:t>
+            </a:r>
+          </a:p>
+        </p:txBody>
+      </p:sp>
+      <p:pic>
+        <p:nvPicPr>
+          <p:cNvPr id="7" name="내용 개체 틀 6">
+            <a:extLst>
+              <a:ext uri="{FF2B5EF4-FFF2-40B4-BE49-F238E27FC236}">
+                <a16:creationId xmlns:a16="http://schemas.microsoft.com/office/drawing/2014/main" id="{E3B5618D-77CB-456E-9293-AE1BD6132994}"/>
+              </a:ext>
+            </a:extLst>
+          </p:cNvPr>
+          <p:cNvPicPr>
+            <a:picLocks noGrp="1" noChangeAspect="1"/>
+          </p:cNvPicPr>
           <p:nvPr>
             <p:ph idx="1"/>
           </p:nvPr>
-        </p:nvSpPr>
-        <p:spPr/>
-        <p:txBody>
-          <a:bodyPr/>
-          <a:lstStyle/>
-          <a:p>
-            <a:r>
-              <a:rPr lang="ko-KR" altLang="en-US" dirty="0"/>
-              <a:t>수강 관련 정보를 저장할 </a:t>
-            </a:r>
-            <a:r>
-              <a:rPr lang="en-US" altLang="ko-KR" dirty="0"/>
-              <a:t>‘</a:t>
-            </a:r>
-            <a:r>
-              <a:rPr lang="ko-KR" altLang="en-US" dirty="0"/>
-              <a:t>학생‘</a:t>
-            </a:r>
-            <a:r>
-              <a:rPr lang="en-US" altLang="ko-KR" dirty="0"/>
-              <a:t>, ‘</a:t>
-            </a:r>
-            <a:r>
-              <a:rPr lang="ko-KR" altLang="en-US" dirty="0"/>
-              <a:t>수강‘</a:t>
-            </a:r>
-            <a:r>
-              <a:rPr lang="en-US" altLang="ko-KR" dirty="0"/>
-              <a:t>, ‘</a:t>
-            </a:r>
-            <a:r>
-              <a:rPr lang="ko-KR" altLang="en-US" dirty="0"/>
-              <a:t>과목＇ </a:t>
-            </a:r>
-            <a:r>
-              <a:rPr lang="en-US" altLang="ko-KR" dirty="0"/>
-              <a:t>3</a:t>
-            </a:r>
-            <a:r>
-              <a:rPr lang="ko-KR" altLang="en-US" dirty="0"/>
-              <a:t>개의 테이블</a:t>
-            </a:r>
-          </a:p>
-        </p:txBody>
-      </p:sp>
+        </p:nvPicPr>
+        <p:blipFill>
+          <a:blip r:embed="rId2"/>
+          <a:stretch>
+            <a:fillRect/>
+          </a:stretch>
+        </p:blipFill>
+        <p:spPr>
+          <a:xfrm>
+            <a:off x="1041400" y="1690688"/>
+            <a:ext cx="6139575" cy="5048506"/>
+          </a:xfrm>
+          <a:prstGeom prst="rect">
+            <a:avLst/>
+          </a:prstGeom>
+        </p:spPr>
+      </p:pic>
       <p:cxnSp>
         <p:nvCxnSpPr>
           <p:cNvPr id="5" name="직선 연결선 4">
@@ -7062,10 +8564,10 @@
       </p:cxnSp>
       <p:pic>
         <p:nvPicPr>
-          <p:cNvPr id="4" name="그림 3">
-            <a:extLst>
-              <a:ext uri="{FF2B5EF4-FFF2-40B4-BE49-F238E27FC236}">
-                <a16:creationId xmlns:a16="http://schemas.microsoft.com/office/drawing/2014/main" id="{2FEA5BD7-A7F0-43B3-934E-5781D628DB03}"/>
+          <p:cNvPr id="8" name="그림 7">
+            <a:extLst>
+              <a:ext uri="{FF2B5EF4-FFF2-40B4-BE49-F238E27FC236}">
+                <a16:creationId xmlns:a16="http://schemas.microsoft.com/office/drawing/2014/main" id="{12900BB2-CCB4-4881-9E0A-3FED71CD6E37}"/>
               </a:ext>
             </a:extLst>
           </p:cNvPr>
@@ -7075,15 +8577,15 @@
           <p:nvPr/>
         </p:nvPicPr>
         <p:blipFill>
-          <a:blip r:embed="rId2"/>
+          <a:blip r:embed="rId3"/>
           <a:stretch>
             <a:fillRect/>
           </a:stretch>
         </p:blipFill>
         <p:spPr>
           <a:xfrm>
-            <a:off x="1132514" y="2571865"/>
-            <a:ext cx="8328213" cy="3905135"/>
+            <a:off x="8012622" y="2459876"/>
+            <a:ext cx="3677343" cy="904743"/>
           </a:xfrm>
           <a:prstGeom prst="rect">
             <a:avLst/>
@@ -7092,10 +8594,10 @@
       </p:pic>
       <p:sp>
         <p:nvSpPr>
-          <p:cNvPr id="7" name="TextBox 6">
-            <a:extLst>
-              <a:ext uri="{FF2B5EF4-FFF2-40B4-BE49-F238E27FC236}">
-                <a16:creationId xmlns:a16="http://schemas.microsoft.com/office/drawing/2014/main" id="{F150BDD4-5D38-4BD2-B32E-35BE1AAB767F}"/>
+          <p:cNvPr id="9" name="TextBox 8">
+            <a:extLst>
+              <a:ext uri="{FF2B5EF4-FFF2-40B4-BE49-F238E27FC236}">
+                <a16:creationId xmlns:a16="http://schemas.microsoft.com/office/drawing/2014/main" id="{E03A02AF-6770-46A9-9CAA-7EF32D74719A}"/>
               </a:ext>
             </a:extLst>
           </p:cNvPr>
@@ -7104,8 +8606,8 @@
         </p:nvSpPr>
         <p:spPr>
           <a:xfrm>
-            <a:off x="10301681" y="2902591"/>
-            <a:ext cx="877163" cy="369332"/>
+            <a:off x="7919207" y="1971413"/>
+            <a:ext cx="1189749" cy="369332"/>
           </a:xfrm>
           <a:prstGeom prst="rect">
             <a:avLst/>
@@ -7119,33 +8621,35 @@
           <a:lstStyle/>
           <a:p>
             <a:r>
-              <a:rPr lang="ko-KR" altLang="en-US"/>
-              <a:t>스키마</a:t>
+              <a:rPr lang="ko-KR" altLang="en-US" dirty="0"/>
+              <a:t>파일 이름</a:t>
             </a:r>
           </a:p>
         </p:txBody>
       </p:sp>
       <p:cxnSp>
         <p:nvCxnSpPr>
-          <p:cNvPr id="9" name="직선 화살표 연결선 8">
-            <a:extLst>
-              <a:ext uri="{FF2B5EF4-FFF2-40B4-BE49-F238E27FC236}">
-                <a16:creationId xmlns:a16="http://schemas.microsoft.com/office/drawing/2014/main" id="{A5A6B9AB-8F63-41FD-9C6E-89F64B9FF5A2}"/>
-              </a:ext>
-            </a:extLst>
-          </p:cNvPr>
-          <p:cNvCxnSpPr/>
+          <p:cNvPr id="11" name="직선 화살표 연결선 10">
+            <a:extLst>
+              <a:ext uri="{FF2B5EF4-FFF2-40B4-BE49-F238E27FC236}">
+                <a16:creationId xmlns:a16="http://schemas.microsoft.com/office/drawing/2014/main" id="{3E77C30A-E90D-41BA-BBDB-8D067766F179}"/>
+              </a:ext>
+            </a:extLst>
+          </p:cNvPr>
+          <p:cNvCxnSpPr>
+            <a:cxnSpLocks/>
+          </p:cNvCxnSpPr>
           <p:nvPr/>
         </p:nvCxnSpPr>
         <p:spPr>
           <a:xfrm flipH="1">
-            <a:off x="9127222" y="3087257"/>
-            <a:ext cx="1174459" cy="341743"/>
+            <a:off x="6896886" y="2912247"/>
+            <a:ext cx="1282380" cy="144915"/>
           </a:xfrm>
           <a:prstGeom prst="straightConnector1">
             <a:avLst/>
           </a:prstGeom>
-          <a:ln w="38100">
+          <a:ln w="76200">
             <a:solidFill>
               <a:srgbClr val="C00000"/>
             </a:solidFill>
@@ -7170,7 +8674,7 @@
     </p:spTree>
     <p:extLst>
       <p:ext uri="{BB962C8B-B14F-4D97-AF65-F5344CB8AC3E}">
-        <p14:creationId xmlns:p14="http://schemas.microsoft.com/office/powerpoint/2010/main" val="2169635852"/>
+        <p14:creationId xmlns:p14="http://schemas.microsoft.com/office/powerpoint/2010/main" val="427920680"/>
       </p:ext>
     </p:extLst>
   </p:cSld>
@@ -7220,11 +8724,11 @@
           <a:p>
             <a:r>
               <a:rPr lang="en-US" altLang="ko-KR" dirty="0"/>
-              <a:t>2. Table</a:t>
+              <a:t>2. Table </a:t>
             </a:r>
             <a:r>
               <a:rPr lang="ko-KR" altLang="en-US" dirty="0"/>
-              <a:t> 만들기</a:t>
+              <a:t>만들기</a:t>
             </a:r>
           </a:p>
         </p:txBody>
@@ -7250,136 +8754,41 @@
           <a:bodyPr/>
           <a:lstStyle/>
           <a:p>
-            <a:pPr>
-              <a:lnSpc>
-                <a:spcPct val="150000"/>
-              </a:lnSpc>
-            </a:pPr>
             <a:r>
               <a:rPr lang="ko-KR" altLang="en-US" dirty="0"/>
-              <a:t>스키마 </a:t>
+              <a:t>수강 관련 정보를 저장할 </a:t>
             </a:r>
             <a:r>
               <a:rPr lang="en-US" altLang="ko-KR" dirty="0"/>
-              <a:t>:</a:t>
+              <a:t>‘</a:t>
             </a:r>
             <a:r>
               <a:rPr lang="ko-KR" altLang="en-US" dirty="0"/>
-              <a:t> 데이터베이스에서 자료의 구조</a:t>
+              <a:t>학생‘</a:t>
             </a:r>
             <a:r>
               <a:rPr lang="en-US" altLang="ko-KR" dirty="0"/>
-              <a:t>, </a:t>
+              <a:t>, ‘</a:t>
             </a:r>
             <a:r>
               <a:rPr lang="ko-KR" altLang="en-US" dirty="0"/>
-              <a:t>자료의 표현 방법</a:t>
+              <a:t>수강‘</a:t>
             </a:r>
             <a:r>
               <a:rPr lang="en-US" altLang="ko-KR" dirty="0"/>
-              <a:t>, </a:t>
+              <a:t>, ‘</a:t>
             </a:r>
             <a:r>
               <a:rPr lang="ko-KR" altLang="en-US" dirty="0"/>
-              <a:t>자료 간의 관계를 형식 언어로 정의한 구조</a:t>
+              <a:t>과목＇ </a:t>
             </a:r>
             <a:r>
               <a:rPr lang="en-US" altLang="ko-KR" dirty="0"/>
-              <a:t>.</a:t>
-            </a:r>
-          </a:p>
-          <a:p>
-            <a:pPr>
-              <a:lnSpc>
-                <a:spcPct val="150000"/>
-              </a:lnSpc>
-              <a:buFont typeface="Symbol" panose="05050102010706020507" pitchFamily="18" charset="2"/>
-              <a:buChar char="Þ"/>
-            </a:pPr>
+              <a:t>3</a:t>
+            </a:r>
             <a:r>
               <a:rPr lang="ko-KR" altLang="en-US" dirty="0"/>
-              <a:t> 스키마는 </a:t>
-            </a:r>
-            <a:r>
-              <a:rPr lang="ko-KR" altLang="en-US" u="sng" dirty="0">
-                <a:solidFill>
-                  <a:srgbClr val="FF0000"/>
-                </a:solidFill>
-              </a:rPr>
-              <a:t>데이터 사전</a:t>
-            </a:r>
-            <a:r>
-              <a:rPr lang="en-US" altLang="ko-KR" u="sng" dirty="0">
-                <a:solidFill>
-                  <a:srgbClr val="FF0000"/>
-                </a:solidFill>
-              </a:rPr>
-              <a:t>(Data Dictionary)</a:t>
-            </a:r>
-            <a:r>
-              <a:rPr lang="ko-KR" altLang="en-US" dirty="0"/>
-              <a:t>에 저장</a:t>
-            </a:r>
-            <a:r>
-              <a:rPr lang="en-US" altLang="ko-KR" dirty="0"/>
-              <a:t>, </a:t>
-            </a:r>
-            <a:r>
-              <a:rPr lang="ko-KR" altLang="en-US" dirty="0"/>
-              <a:t>데이터</a:t>
-            </a:r>
-            <a:r>
-              <a:rPr lang="en-US" altLang="ko-KR" dirty="0"/>
-              <a:t> </a:t>
-            </a:r>
-            <a:r>
-              <a:rPr lang="ko-KR" altLang="en-US" dirty="0"/>
-              <a:t>항목들에 대한 정보를 지정한 중앙 저장소</a:t>
-            </a:r>
-            <a:r>
-              <a:rPr lang="en-US" altLang="ko-KR" dirty="0"/>
-              <a:t>(</a:t>
-            </a:r>
-            <a:r>
-              <a:rPr lang="ko-KR" altLang="en-US" dirty="0"/>
-              <a:t>테이블</a:t>
-            </a:r>
-            <a:r>
-              <a:rPr lang="en-US" altLang="ko-KR" dirty="0"/>
-              <a:t> </a:t>
-            </a:r>
-            <a:r>
-              <a:rPr lang="ko-KR" altLang="en-US" dirty="0"/>
-              <a:t>및 뷰들의 집합</a:t>
-            </a:r>
-            <a:r>
-              <a:rPr lang="en-US" altLang="ko-KR" dirty="0"/>
-              <a:t>)</a:t>
-            </a:r>
-          </a:p>
-          <a:p>
-            <a:pPr>
-              <a:lnSpc>
-                <a:spcPct val="150000"/>
-              </a:lnSpc>
-              <a:buFont typeface="Symbol" panose="05050102010706020507" pitchFamily="18" charset="2"/>
-              <a:buChar char="Þ"/>
-            </a:pPr>
-            <a:r>
-              <a:rPr lang="ko-KR" altLang="en-US" dirty="0"/>
-              <a:t> 현실 세계의 특정한 부분의 표현</a:t>
-            </a:r>
-            <a:r>
-              <a:rPr lang="en-US" altLang="ko-KR" dirty="0"/>
-              <a:t>(</a:t>
-            </a:r>
-            <a:r>
-              <a:rPr lang="ko-KR" altLang="en-US" dirty="0"/>
-              <a:t>데이터베이스 모델링</a:t>
-            </a:r>
-            <a:r>
-              <a:rPr lang="en-US" altLang="ko-KR" dirty="0"/>
-              <a:t>)</a:t>
+              <a:t>개의 테이블</a:t>
             </a:r>
           </a:p>
         </p:txBody>
@@ -7471,10 +8880,117 @@
           </a:fontRef>
         </p:style>
       </p:cxnSp>
+      <p:pic>
+        <p:nvPicPr>
+          <p:cNvPr id="4" name="그림 3">
+            <a:extLst>
+              <a:ext uri="{FF2B5EF4-FFF2-40B4-BE49-F238E27FC236}">
+                <a16:creationId xmlns:a16="http://schemas.microsoft.com/office/drawing/2014/main" id="{2FEA5BD7-A7F0-43B3-934E-5781D628DB03}"/>
+              </a:ext>
+            </a:extLst>
+          </p:cNvPr>
+          <p:cNvPicPr>
+            <a:picLocks noChangeAspect="1"/>
+          </p:cNvPicPr>
+          <p:nvPr/>
+        </p:nvPicPr>
+        <p:blipFill>
+          <a:blip r:embed="rId2"/>
+          <a:stretch>
+            <a:fillRect/>
+          </a:stretch>
+        </p:blipFill>
+        <p:spPr>
+          <a:xfrm>
+            <a:off x="1132514" y="2571865"/>
+            <a:ext cx="8328213" cy="3905135"/>
+          </a:xfrm>
+          <a:prstGeom prst="rect">
+            <a:avLst/>
+          </a:prstGeom>
+        </p:spPr>
+      </p:pic>
+      <p:sp>
+        <p:nvSpPr>
+          <p:cNvPr id="7" name="TextBox 6">
+            <a:extLst>
+              <a:ext uri="{FF2B5EF4-FFF2-40B4-BE49-F238E27FC236}">
+                <a16:creationId xmlns:a16="http://schemas.microsoft.com/office/drawing/2014/main" id="{F150BDD4-5D38-4BD2-B32E-35BE1AAB767F}"/>
+              </a:ext>
+            </a:extLst>
+          </p:cNvPr>
+          <p:cNvSpPr txBox="1"/>
+          <p:nvPr/>
+        </p:nvSpPr>
+        <p:spPr>
+          <a:xfrm>
+            <a:off x="10301681" y="2902591"/>
+            <a:ext cx="877163" cy="369332"/>
+          </a:xfrm>
+          <a:prstGeom prst="rect">
+            <a:avLst/>
+          </a:prstGeom>
+          <a:noFill/>
+        </p:spPr>
+        <p:txBody>
+          <a:bodyPr wrap="none" rtlCol="0">
+            <a:spAutoFit/>
+          </a:bodyPr>
+          <a:lstStyle/>
+          <a:p>
+            <a:r>
+              <a:rPr lang="ko-KR" altLang="en-US"/>
+              <a:t>스키마</a:t>
+            </a:r>
+          </a:p>
+        </p:txBody>
+      </p:sp>
+      <p:cxnSp>
+        <p:nvCxnSpPr>
+          <p:cNvPr id="9" name="직선 화살표 연결선 8">
+            <a:extLst>
+              <a:ext uri="{FF2B5EF4-FFF2-40B4-BE49-F238E27FC236}">
+                <a16:creationId xmlns:a16="http://schemas.microsoft.com/office/drawing/2014/main" id="{A5A6B9AB-8F63-41FD-9C6E-89F64B9FF5A2}"/>
+              </a:ext>
+            </a:extLst>
+          </p:cNvPr>
+          <p:cNvCxnSpPr/>
+          <p:nvPr/>
+        </p:nvCxnSpPr>
+        <p:spPr>
+          <a:xfrm flipH="1">
+            <a:off x="9127222" y="3087257"/>
+            <a:ext cx="1174459" cy="341743"/>
+          </a:xfrm>
+          <a:prstGeom prst="straightConnector1">
+            <a:avLst/>
+          </a:prstGeom>
+          <a:ln w="38100">
+            <a:solidFill>
+              <a:srgbClr val="C00000"/>
+            </a:solidFill>
+            <a:tailEnd type="triangle"/>
+          </a:ln>
+        </p:spPr>
+        <p:style>
+          <a:lnRef idx="1">
+            <a:schemeClr val="accent1"/>
+          </a:lnRef>
+          <a:fillRef idx="0">
+            <a:schemeClr val="accent1"/>
+          </a:fillRef>
+          <a:effectRef idx="0">
+            <a:schemeClr val="accent1"/>
+          </a:effectRef>
+          <a:fontRef idx="minor">
+            <a:schemeClr val="tx1"/>
+          </a:fontRef>
+        </p:style>
+      </p:cxnSp>
     </p:spTree>
     <p:extLst>
       <p:ext uri="{BB962C8B-B14F-4D97-AF65-F5344CB8AC3E}">
-        <p14:creationId xmlns:p14="http://schemas.microsoft.com/office/powerpoint/2010/main" val="2010677649"/>
+        <p14:creationId xmlns:p14="http://schemas.microsoft.com/office/powerpoint/2010/main" val="2169635852"/>
       </p:ext>
     </p:extLst>
   </p:cSld>
@@ -7524,47 +9040,186 @@
           <a:p>
             <a:r>
               <a:rPr lang="en-US" altLang="ko-KR" dirty="0"/>
-              <a:t>2-1. </a:t>
+              <a:t>2. Table</a:t>
             </a:r>
             <a:r>
               <a:rPr lang="ko-KR" altLang="en-US" dirty="0"/>
-              <a:t>학생 테이블 만들기</a:t>
-            </a:r>
-          </a:p>
-        </p:txBody>
-      </p:sp>
-      <p:pic>
-        <p:nvPicPr>
-          <p:cNvPr id="4" name="내용 개체 틀 3">
-            <a:extLst>
-              <a:ext uri="{FF2B5EF4-FFF2-40B4-BE49-F238E27FC236}">
-                <a16:creationId xmlns:a16="http://schemas.microsoft.com/office/drawing/2014/main" id="{E00194B9-3959-43B1-A148-83758D868777}"/>
-              </a:ext>
-            </a:extLst>
-          </p:cNvPr>
-          <p:cNvPicPr>
-            <a:picLocks noGrp="1" noChangeAspect="1"/>
-          </p:cNvPicPr>
+              <a:t> 만들기</a:t>
+            </a:r>
+          </a:p>
+        </p:txBody>
+      </p:sp>
+      <p:sp>
+        <p:nvSpPr>
+          <p:cNvPr id="3" name="내용 개체 틀 2">
+            <a:extLst>
+              <a:ext uri="{FF2B5EF4-FFF2-40B4-BE49-F238E27FC236}">
+                <a16:creationId xmlns:a16="http://schemas.microsoft.com/office/drawing/2014/main" id="{D7E57A6D-49A4-4CA5-BA0A-98AB56988CD6}"/>
+              </a:ext>
+            </a:extLst>
+          </p:cNvPr>
+          <p:cNvSpPr>
+            <a:spLocks noGrp="1"/>
+          </p:cNvSpPr>
           <p:nvPr>
             <p:ph idx="1"/>
           </p:nvPr>
-        </p:nvPicPr>
-        <p:blipFill>
-          <a:blip r:embed="rId2"/>
-          <a:stretch>
-            <a:fillRect/>
-          </a:stretch>
-        </p:blipFill>
-        <p:spPr>
-          <a:xfrm>
-            <a:off x="1041401" y="1809749"/>
-            <a:ext cx="10537013" cy="4683117"/>
-          </a:xfrm>
-          <a:prstGeom prst="rect">
-            <a:avLst/>
-          </a:prstGeom>
-        </p:spPr>
-      </p:pic>
+        </p:nvSpPr>
+        <p:spPr/>
+        <p:txBody>
+          <a:bodyPr/>
+          <a:lstStyle/>
+          <a:p>
+            <a:pPr>
+              <a:lnSpc>
+                <a:spcPct val="150000"/>
+              </a:lnSpc>
+            </a:pPr>
+            <a:r>
+              <a:rPr lang="ko-KR" altLang="en-US" dirty="0">
+                <a:effectLst>
+                  <a:outerShdw blurRad="38100" dist="38100" dir="2700000" algn="tl">
+                    <a:srgbClr val="000000">
+                      <a:alpha val="43137"/>
+                    </a:srgbClr>
+                  </a:outerShdw>
+                </a:effectLst>
+              </a:rPr>
+              <a:t>스키마</a:t>
+            </a:r>
+            <a:r>
+              <a:rPr lang="ko-KR" altLang="en-US" dirty="0"/>
+              <a:t> </a:t>
+            </a:r>
+            <a:r>
+              <a:rPr lang="en-US" altLang="ko-KR" dirty="0"/>
+              <a:t>:</a:t>
+            </a:r>
+            <a:r>
+              <a:rPr lang="ko-KR" altLang="en-US" dirty="0"/>
+              <a:t> 데이터베이스에서 자료의 구조</a:t>
+            </a:r>
+            <a:r>
+              <a:rPr lang="en-US" altLang="ko-KR" dirty="0"/>
+              <a:t>, </a:t>
+            </a:r>
+            <a:r>
+              <a:rPr lang="ko-KR" altLang="en-US" dirty="0"/>
+              <a:t>자료의 표현 방법</a:t>
+            </a:r>
+            <a:r>
+              <a:rPr lang="en-US" altLang="ko-KR" dirty="0"/>
+              <a:t>, </a:t>
+            </a:r>
+            <a:r>
+              <a:rPr lang="ko-KR" altLang="en-US" dirty="0"/>
+              <a:t>자료 간의 관계를 형식 언어로 정의한 구조</a:t>
+            </a:r>
+            <a:r>
+              <a:rPr lang="en-US" altLang="ko-KR" dirty="0"/>
+              <a:t>.</a:t>
+            </a:r>
+          </a:p>
+          <a:p>
+            <a:pPr>
+              <a:lnSpc>
+                <a:spcPct val="150000"/>
+              </a:lnSpc>
+              <a:buFont typeface="Symbol" panose="05050102010706020507" pitchFamily="18" charset="2"/>
+              <a:buChar char="Þ"/>
+            </a:pPr>
+            <a:r>
+              <a:rPr lang="ko-KR" altLang="en-US" dirty="0"/>
+              <a:t> 스키마는 </a:t>
+            </a:r>
+            <a:r>
+              <a:rPr lang="ko-KR" altLang="en-US" u="sng" dirty="0">
+                <a:solidFill>
+                  <a:srgbClr val="FF0000"/>
+                </a:solidFill>
+              </a:rPr>
+              <a:t>데이터 사전</a:t>
+            </a:r>
+            <a:r>
+              <a:rPr lang="en-US" altLang="ko-KR" u="sng" dirty="0">
+                <a:solidFill>
+                  <a:srgbClr val="FF0000"/>
+                </a:solidFill>
+              </a:rPr>
+              <a:t>(Data Dictionary)</a:t>
+            </a:r>
+            <a:r>
+              <a:rPr lang="ko-KR" altLang="en-US" dirty="0"/>
+              <a:t>에 저장</a:t>
+            </a:r>
+            <a:r>
+              <a:rPr lang="en-US" altLang="ko-KR" dirty="0"/>
+              <a:t>, </a:t>
+            </a:r>
+            <a:r>
+              <a:rPr lang="ko-KR" altLang="en-US" dirty="0"/>
+              <a:t>데이터</a:t>
+            </a:r>
+            <a:r>
+              <a:rPr lang="en-US" altLang="ko-KR" dirty="0"/>
+              <a:t> </a:t>
+            </a:r>
+            <a:r>
+              <a:rPr lang="ko-KR" altLang="en-US" dirty="0"/>
+              <a:t>항목들에 대한 정보를 지정한 중앙 저장소</a:t>
+            </a:r>
+            <a:r>
+              <a:rPr lang="en-US" altLang="ko-KR" dirty="0"/>
+              <a:t>(</a:t>
+            </a:r>
+            <a:r>
+              <a:rPr lang="ko-KR" altLang="en-US" dirty="0"/>
+              <a:t>테이블</a:t>
+            </a:r>
+            <a:r>
+              <a:rPr lang="en-US" altLang="ko-KR" dirty="0"/>
+              <a:t> </a:t>
+            </a:r>
+            <a:r>
+              <a:rPr lang="ko-KR" altLang="en-US" dirty="0"/>
+              <a:t>및 뷰들의 집합</a:t>
+            </a:r>
+            <a:r>
+              <a:rPr lang="en-US" altLang="ko-KR" dirty="0"/>
+              <a:t>)</a:t>
+            </a:r>
+          </a:p>
+          <a:p>
+            <a:pPr>
+              <a:lnSpc>
+                <a:spcPct val="150000"/>
+              </a:lnSpc>
+              <a:buFont typeface="Symbol" panose="05050102010706020507" pitchFamily="18" charset="2"/>
+              <a:buChar char="Þ"/>
+            </a:pPr>
+            <a:r>
+              <a:rPr lang="ko-KR" altLang="en-US" dirty="0"/>
+              <a:t> 현실 세계의 특정한 부분의 표현</a:t>
+            </a:r>
+            <a:r>
+              <a:rPr lang="en-US" altLang="ko-KR" dirty="0"/>
+              <a:t>(</a:t>
+            </a:r>
+            <a:r>
+              <a:rPr lang="ko-KR" altLang="en-US" u="sng" dirty="0">
+                <a:solidFill>
+                  <a:srgbClr val="FF0000"/>
+                </a:solidFill>
+              </a:rPr>
+              <a:t>데이터베이스 모델링</a:t>
+            </a:r>
+            <a:r>
+              <a:rPr lang="en-US" altLang="ko-KR" dirty="0"/>
+              <a:t>)</a:t>
+            </a:r>
+          </a:p>
+        </p:txBody>
+      </p:sp>
       <p:cxnSp>
         <p:nvCxnSpPr>
           <p:cNvPr id="5" name="직선 연결선 4">
@@ -7652,75 +9307,10 @@
           </a:fontRef>
         </p:style>
       </p:cxnSp>
-      <p:pic>
-        <p:nvPicPr>
-          <p:cNvPr id="7" name="그림 6">
-            <a:extLst>
-              <a:ext uri="{FF2B5EF4-FFF2-40B4-BE49-F238E27FC236}">
-                <a16:creationId xmlns:a16="http://schemas.microsoft.com/office/drawing/2014/main" id="{1DDE9F36-99C2-46E7-B320-F81F0DFB4A8B}"/>
-              </a:ext>
-            </a:extLst>
-          </p:cNvPr>
-          <p:cNvPicPr>
-            <a:picLocks noChangeAspect="1"/>
-          </p:cNvPicPr>
-          <p:nvPr/>
-        </p:nvPicPr>
-        <p:blipFill>
-          <a:blip r:embed="rId3"/>
-          <a:stretch>
-            <a:fillRect/>
-          </a:stretch>
-        </p:blipFill>
-        <p:spPr>
-          <a:xfrm>
-            <a:off x="8885607" y="773911"/>
-            <a:ext cx="2582492" cy="650872"/>
-          </a:xfrm>
-          <a:prstGeom prst="rect">
-            <a:avLst/>
-          </a:prstGeom>
-        </p:spPr>
-      </p:pic>
-      <p:sp>
-        <p:nvSpPr>
-          <p:cNvPr id="8" name="TextBox 7">
-            <a:extLst>
-              <a:ext uri="{FF2B5EF4-FFF2-40B4-BE49-F238E27FC236}">
-                <a16:creationId xmlns:a16="http://schemas.microsoft.com/office/drawing/2014/main" id="{CB1C2B87-A9A0-4C3F-87D8-BB14F946357C}"/>
-              </a:ext>
-            </a:extLst>
-          </p:cNvPr>
-          <p:cNvSpPr txBox="1"/>
-          <p:nvPr/>
-        </p:nvSpPr>
-        <p:spPr>
-          <a:xfrm>
-            <a:off x="8885607" y="343462"/>
-            <a:ext cx="1189749" cy="369332"/>
-          </a:xfrm>
-          <a:prstGeom prst="rect">
-            <a:avLst/>
-          </a:prstGeom>
-          <a:noFill/>
-        </p:spPr>
-        <p:txBody>
-          <a:bodyPr wrap="none" rtlCol="0">
-            <a:spAutoFit/>
-          </a:bodyPr>
-          <a:lstStyle/>
-          <a:p>
-            <a:r>
-              <a:rPr lang="ko-KR" altLang="en-US" dirty="0"/>
-              <a:t>파일 이름</a:t>
-            </a:r>
-          </a:p>
-        </p:txBody>
-      </p:sp>
     </p:spTree>
     <p:extLst>
       <p:ext uri="{BB962C8B-B14F-4D97-AF65-F5344CB8AC3E}">
-        <p14:creationId xmlns:p14="http://schemas.microsoft.com/office/powerpoint/2010/main" val="1793673314"/>
+        <p14:creationId xmlns:p14="http://schemas.microsoft.com/office/powerpoint/2010/main" val="2010677649"/>
       </p:ext>
     </p:extLst>
   </p:cSld>
@@ -7784,7 +9374,7 @@
           <p:cNvPr id="4" name="내용 개체 틀 3">
             <a:extLst>
               <a:ext uri="{FF2B5EF4-FFF2-40B4-BE49-F238E27FC236}">
-                <a16:creationId xmlns:a16="http://schemas.microsoft.com/office/drawing/2014/main" id="{98C9B124-BF23-4C97-B459-EFD03B55F701}"/>
+                <a16:creationId xmlns:a16="http://schemas.microsoft.com/office/drawing/2014/main" id="{E00194B9-3959-43B1-A148-83758D868777}"/>
               </a:ext>
             </a:extLst>
           </p:cNvPr>
@@ -7803,8 +9393,8 @@
         </p:blipFill>
         <p:spPr>
           <a:xfrm>
-            <a:off x="1041401" y="2024062"/>
-            <a:ext cx="9547904" cy="4468813"/>
+            <a:off x="1041401" y="1809749"/>
+            <a:ext cx="10537013" cy="4683117"/>
           </a:xfrm>
           <a:prstGeom prst="rect">
             <a:avLst/>
@@ -7898,10 +9488,75 @@
           </a:fontRef>
         </p:style>
       </p:cxnSp>
+      <p:pic>
+        <p:nvPicPr>
+          <p:cNvPr id="7" name="그림 6">
+            <a:extLst>
+              <a:ext uri="{FF2B5EF4-FFF2-40B4-BE49-F238E27FC236}">
+                <a16:creationId xmlns:a16="http://schemas.microsoft.com/office/drawing/2014/main" id="{1DDE9F36-99C2-46E7-B320-F81F0DFB4A8B}"/>
+              </a:ext>
+            </a:extLst>
+          </p:cNvPr>
+          <p:cNvPicPr>
+            <a:picLocks noChangeAspect="1"/>
+          </p:cNvPicPr>
+          <p:nvPr/>
+        </p:nvPicPr>
+        <p:blipFill>
+          <a:blip r:embed="rId3"/>
+          <a:stretch>
+            <a:fillRect/>
+          </a:stretch>
+        </p:blipFill>
+        <p:spPr>
+          <a:xfrm>
+            <a:off x="8885607" y="773911"/>
+            <a:ext cx="2582492" cy="650872"/>
+          </a:xfrm>
+          <a:prstGeom prst="rect">
+            <a:avLst/>
+          </a:prstGeom>
+        </p:spPr>
+      </p:pic>
+      <p:sp>
+        <p:nvSpPr>
+          <p:cNvPr id="8" name="TextBox 7">
+            <a:extLst>
+              <a:ext uri="{FF2B5EF4-FFF2-40B4-BE49-F238E27FC236}">
+                <a16:creationId xmlns:a16="http://schemas.microsoft.com/office/drawing/2014/main" id="{CB1C2B87-A9A0-4C3F-87D8-BB14F946357C}"/>
+              </a:ext>
+            </a:extLst>
+          </p:cNvPr>
+          <p:cNvSpPr txBox="1"/>
+          <p:nvPr/>
+        </p:nvSpPr>
+        <p:spPr>
+          <a:xfrm>
+            <a:off x="8885607" y="343462"/>
+            <a:ext cx="1189749" cy="369332"/>
+          </a:xfrm>
+          <a:prstGeom prst="rect">
+            <a:avLst/>
+          </a:prstGeom>
+          <a:noFill/>
+        </p:spPr>
+        <p:txBody>
+          <a:bodyPr wrap="none" rtlCol="0">
+            <a:spAutoFit/>
+          </a:bodyPr>
+          <a:lstStyle/>
+          <a:p>
+            <a:r>
+              <a:rPr lang="ko-KR" altLang="en-US" dirty="0"/>
+              <a:t>파일 이름</a:t>
+            </a:r>
+          </a:p>
+        </p:txBody>
+      </p:sp>
     </p:spTree>
     <p:extLst>
       <p:ext uri="{BB962C8B-B14F-4D97-AF65-F5344CB8AC3E}">
-        <p14:creationId xmlns:p14="http://schemas.microsoft.com/office/powerpoint/2010/main" val="1461165254"/>
+        <p14:creationId xmlns:p14="http://schemas.microsoft.com/office/powerpoint/2010/main" val="1793673314"/>
       </p:ext>
     </p:extLst>
   </p:cSld>

--- a/2. 데이터베이스 프로그래밍 실습2.pptx
+++ b/2. 데이터베이스 프로그래밍 실습2.pptx
@@ -284,7 +284,7 @@
           <a:p>
             <a:fld id="{12E8C2FE-544C-4BD6-8C9B-EA7868491B96}" type="datetimeFigureOut">
               <a:rPr lang="ko-KR" altLang="en-US" smtClean="0"/>
-              <a:t>2023-08-03</a:t>
+              <a:t>2023-08-04</a:t>
             </a:fld>
             <a:endParaRPr lang="ko-KR" altLang="en-US"/>
           </a:p>
@@ -482,7 +482,7 @@
           <a:p>
             <a:fld id="{12E8C2FE-544C-4BD6-8C9B-EA7868491B96}" type="datetimeFigureOut">
               <a:rPr lang="ko-KR" altLang="en-US" smtClean="0"/>
-              <a:t>2023-08-03</a:t>
+              <a:t>2023-08-04</a:t>
             </a:fld>
             <a:endParaRPr lang="ko-KR" altLang="en-US"/>
           </a:p>
@@ -690,7 +690,7 @@
           <a:p>
             <a:fld id="{12E8C2FE-544C-4BD6-8C9B-EA7868491B96}" type="datetimeFigureOut">
               <a:rPr lang="ko-KR" altLang="en-US" smtClean="0"/>
-              <a:t>2023-08-03</a:t>
+              <a:t>2023-08-04</a:t>
             </a:fld>
             <a:endParaRPr lang="ko-KR" altLang="en-US"/>
           </a:p>
@@ -888,7 +888,7 @@
           <a:p>
             <a:fld id="{12E8C2FE-544C-4BD6-8C9B-EA7868491B96}" type="datetimeFigureOut">
               <a:rPr lang="ko-KR" altLang="en-US" smtClean="0"/>
-              <a:t>2023-08-03</a:t>
+              <a:t>2023-08-04</a:t>
             </a:fld>
             <a:endParaRPr lang="ko-KR" altLang="en-US"/>
           </a:p>
@@ -1163,7 +1163,7 @@
           <a:p>
             <a:fld id="{12E8C2FE-544C-4BD6-8C9B-EA7868491B96}" type="datetimeFigureOut">
               <a:rPr lang="ko-KR" altLang="en-US" smtClean="0"/>
-              <a:t>2023-08-03</a:t>
+              <a:t>2023-08-04</a:t>
             </a:fld>
             <a:endParaRPr lang="ko-KR" altLang="en-US"/>
           </a:p>
@@ -1428,7 +1428,7 @@
           <a:p>
             <a:fld id="{12E8C2FE-544C-4BD6-8C9B-EA7868491B96}" type="datetimeFigureOut">
               <a:rPr lang="ko-KR" altLang="en-US" smtClean="0"/>
-              <a:t>2023-08-03</a:t>
+              <a:t>2023-08-04</a:t>
             </a:fld>
             <a:endParaRPr lang="ko-KR" altLang="en-US"/>
           </a:p>
@@ -1840,7 +1840,7 @@
           <a:p>
             <a:fld id="{12E8C2FE-544C-4BD6-8C9B-EA7868491B96}" type="datetimeFigureOut">
               <a:rPr lang="ko-KR" altLang="en-US" smtClean="0"/>
-              <a:t>2023-08-03</a:t>
+              <a:t>2023-08-04</a:t>
             </a:fld>
             <a:endParaRPr lang="ko-KR" altLang="en-US"/>
           </a:p>
@@ -1981,7 +1981,7 @@
           <a:p>
             <a:fld id="{12E8C2FE-544C-4BD6-8C9B-EA7868491B96}" type="datetimeFigureOut">
               <a:rPr lang="ko-KR" altLang="en-US" smtClean="0"/>
-              <a:t>2023-08-03</a:t>
+              <a:t>2023-08-04</a:t>
             </a:fld>
             <a:endParaRPr lang="ko-KR" altLang="en-US"/>
           </a:p>
@@ -2094,7 +2094,7 @@
           <a:p>
             <a:fld id="{12E8C2FE-544C-4BD6-8C9B-EA7868491B96}" type="datetimeFigureOut">
               <a:rPr lang="ko-KR" altLang="en-US" smtClean="0"/>
-              <a:t>2023-08-03</a:t>
+              <a:t>2023-08-04</a:t>
             </a:fld>
             <a:endParaRPr lang="ko-KR" altLang="en-US"/>
           </a:p>
@@ -2405,7 +2405,7 @@
           <a:p>
             <a:fld id="{12E8C2FE-544C-4BD6-8C9B-EA7868491B96}" type="datetimeFigureOut">
               <a:rPr lang="ko-KR" altLang="en-US" smtClean="0"/>
-              <a:t>2023-08-03</a:t>
+              <a:t>2023-08-04</a:t>
             </a:fld>
             <a:endParaRPr lang="ko-KR" altLang="en-US"/>
           </a:p>
@@ -2693,7 +2693,7 @@
           <a:p>
             <a:fld id="{12E8C2FE-544C-4BD6-8C9B-EA7868491B96}" type="datetimeFigureOut">
               <a:rPr lang="ko-KR" altLang="en-US" smtClean="0"/>
-              <a:t>2023-08-03</a:t>
+              <a:t>2023-08-04</a:t>
             </a:fld>
             <a:endParaRPr lang="ko-KR" altLang="en-US"/>
           </a:p>
@@ -2934,7 +2934,7 @@
           <a:p>
             <a:fld id="{12E8C2FE-544C-4BD6-8C9B-EA7868491B96}" type="datetimeFigureOut">
               <a:rPr lang="ko-KR" altLang="en-US" smtClean="0"/>
-              <a:t>2023-08-03</a:t>
+              <a:t>2023-08-04</a:t>
             </a:fld>
             <a:endParaRPr lang="ko-KR" altLang="en-US"/>
           </a:p>
@@ -5523,7 +5523,6 @@
               <a:rPr lang="ko-KR" altLang="en-US" dirty="0"/>
               <a:t>입력</a:t>
             </a:r>
-            <a:endParaRPr lang="ko-KR" altLang="en-US" dirty="0"/>
           </a:p>
         </p:txBody>
       </p:sp>
@@ -6366,7 +6365,6 @@
               <a:rPr lang="ko-KR" altLang="en-US" dirty="0"/>
               <a:t>입력</a:t>
             </a:r>
-            <a:endParaRPr lang="ko-KR" altLang="en-US" dirty="0"/>
           </a:p>
         </p:txBody>
       </p:sp>
@@ -7512,26 +7510,187 @@
           <a:bodyPr/>
           <a:lstStyle/>
           <a:p>
+            <a:r>
+              <a:rPr lang="en-US" altLang="ko-KR" dirty="0" smtClean="0"/>
+              <a:t>Table </a:t>
+            </a:r>
+            <a:r>
+              <a:rPr lang="ko-KR" altLang="en-US" dirty="0" smtClean="0"/>
+              <a:t>확인</a:t>
+            </a:r>
             <a:endParaRPr lang="ko-KR" altLang="en-US" dirty="0"/>
           </a:p>
         </p:txBody>
       </p:sp>
-      <p:sp>
-        <p:nvSpPr>
-          <p:cNvPr id="4" name="내용 개체 틀 3"/>
-          <p:cNvSpPr>
-            <a:spLocks noGrp="1"/>
-          </p:cNvSpPr>
+      <p:pic>
+        <p:nvPicPr>
+          <p:cNvPr id="3" name="내용 개체 틀 2"/>
+          <p:cNvPicPr>
+            <a:picLocks noGrp="1" noChangeAspect="1"/>
+          </p:cNvPicPr>
           <p:nvPr>
             <p:ph idx="1"/>
           </p:nvPr>
-        </p:nvSpPr>
-        <p:spPr/>
-        <p:txBody>
-          <a:bodyPr/>
+        </p:nvPicPr>
+        <p:blipFill>
+          <a:blip r:embed="rId2"/>
+          <a:stretch>
+            <a:fillRect/>
+          </a:stretch>
+        </p:blipFill>
+        <p:spPr>
+          <a:xfrm>
+            <a:off x="582811" y="1690687"/>
+            <a:ext cx="9558716" cy="4961655"/>
+          </a:xfrm>
+          <a:prstGeom prst="rect">
+            <a:avLst/>
+          </a:prstGeom>
+        </p:spPr>
+      </p:pic>
+      <p:cxnSp>
+        <p:nvCxnSpPr>
+          <p:cNvPr id="5" name="직선 연결선 4">
+            <a:extLst>
+              <a:ext uri="{FF2B5EF4-FFF2-40B4-BE49-F238E27FC236}">
+                <a16:creationId xmlns:a16="http://schemas.microsoft.com/office/drawing/2014/main" id="{96FDC9FB-2B9D-492C-AF22-4E4A8F7C4D65}"/>
+              </a:ext>
+            </a:extLst>
+          </p:cNvPr>
+          <p:cNvCxnSpPr/>
+          <p:nvPr/>
+        </p:nvCxnSpPr>
+        <p:spPr>
+          <a:xfrm>
+            <a:off x="406400" y="1485900"/>
+            <a:ext cx="11506200" cy="0"/>
+          </a:xfrm>
+          <a:prstGeom prst="line">
+            <a:avLst/>
+          </a:prstGeom>
+          <a:ln w="57150">
+            <a:solidFill>
+              <a:schemeClr val="accent4">
+                <a:lumMod val="20000"/>
+                <a:lumOff val="80000"/>
+              </a:schemeClr>
+            </a:solidFill>
+          </a:ln>
+        </p:spPr>
+        <p:style>
+          <a:lnRef idx="1">
+            <a:schemeClr val="accent1"/>
+          </a:lnRef>
+          <a:fillRef idx="0">
+            <a:schemeClr val="accent1"/>
+          </a:fillRef>
+          <a:effectRef idx="0">
+            <a:schemeClr val="accent1"/>
+          </a:effectRef>
+          <a:fontRef idx="minor">
+            <a:schemeClr val="tx1"/>
+          </a:fontRef>
+        </p:style>
+      </p:cxnSp>
+      <p:cxnSp>
+        <p:nvCxnSpPr>
+          <p:cNvPr id="6" name="직선 연결선 5">
+            <a:extLst>
+              <a:ext uri="{FF2B5EF4-FFF2-40B4-BE49-F238E27FC236}">
+                <a16:creationId xmlns:a16="http://schemas.microsoft.com/office/drawing/2014/main" id="{08916B61-4ED5-4659-BD8D-B87605F718CC}"/>
+              </a:ext>
+            </a:extLst>
+          </p:cNvPr>
+          <p:cNvCxnSpPr/>
+          <p:nvPr/>
+        </p:nvCxnSpPr>
+        <p:spPr>
+          <a:xfrm>
+            <a:off x="723900" y="901700"/>
+            <a:ext cx="0" cy="5575300"/>
+          </a:xfrm>
+          <a:prstGeom prst="line">
+            <a:avLst/>
+          </a:prstGeom>
+          <a:ln w="57150">
+            <a:solidFill>
+              <a:schemeClr val="accent4">
+                <a:lumMod val="75000"/>
+              </a:schemeClr>
+            </a:solidFill>
+          </a:ln>
+        </p:spPr>
+        <p:style>
+          <a:lnRef idx="1">
+            <a:schemeClr val="accent1"/>
+          </a:lnRef>
+          <a:fillRef idx="0">
+            <a:schemeClr val="accent1"/>
+          </a:fillRef>
+          <a:effectRef idx="0">
+            <a:schemeClr val="accent1"/>
+          </a:effectRef>
+          <a:fontRef idx="minor">
+            <a:schemeClr val="tx1"/>
+          </a:fontRef>
+        </p:style>
+      </p:cxnSp>
+      <p:pic>
+        <p:nvPicPr>
+          <p:cNvPr id="7" name="그림 6"/>
+          <p:cNvPicPr>
+            <a:picLocks noChangeAspect="1"/>
+          </p:cNvPicPr>
+          <p:nvPr/>
+        </p:nvPicPr>
+        <p:blipFill>
+          <a:blip r:embed="rId3"/>
+          <a:stretch>
+            <a:fillRect/>
+          </a:stretch>
+        </p:blipFill>
+        <p:spPr>
+          <a:xfrm>
+            <a:off x="7792229" y="696914"/>
+            <a:ext cx="3440856" cy="788986"/>
+          </a:xfrm>
+          <a:prstGeom prst="rect">
+            <a:avLst/>
+          </a:prstGeom>
+        </p:spPr>
+      </p:pic>
+      <p:sp>
+        <p:nvSpPr>
+          <p:cNvPr id="8" name="TextBox 7">
+            <a:extLst>
+              <a:ext uri="{FF2B5EF4-FFF2-40B4-BE49-F238E27FC236}">
+                <a16:creationId xmlns:a16="http://schemas.microsoft.com/office/drawing/2014/main" id="{BCC0D443-E4F9-4114-BC8D-DB1E1D75009A}"/>
+              </a:ext>
+            </a:extLst>
+          </p:cNvPr>
+          <p:cNvSpPr txBox="1"/>
+          <p:nvPr/>
+        </p:nvSpPr>
+        <p:spPr>
+          <a:xfrm>
+            <a:off x="7792229" y="225189"/>
+            <a:ext cx="1189749" cy="369332"/>
+          </a:xfrm>
+          <a:prstGeom prst="rect">
+            <a:avLst/>
+          </a:prstGeom>
+          <a:noFill/>
+        </p:spPr>
+        <p:txBody>
+          <a:bodyPr wrap="none" rtlCol="0">
+            <a:spAutoFit/>
+          </a:bodyPr>
           <a:lstStyle/>
           <a:p>
-            <a:endParaRPr lang="ko-KR" altLang="en-US"/>
+            <a:r>
+              <a:rPr lang="ko-KR" altLang="en-US" dirty="0"/>
+              <a:t>파일 이름</a:t>
+            </a:r>
           </a:p>
         </p:txBody>
       </p:sp>

--- a/2. 데이터베이스 프로그래밍 실습2.pptx
+++ b/2. 데이터베이스 프로그래밍 실습2.pptx
@@ -7522,32 +7522,6 @@
           </a:p>
         </p:txBody>
       </p:sp>
-      <p:pic>
-        <p:nvPicPr>
-          <p:cNvPr id="3" name="내용 개체 틀 2"/>
-          <p:cNvPicPr>
-            <a:picLocks noGrp="1" noChangeAspect="1"/>
-          </p:cNvPicPr>
-          <p:nvPr>
-            <p:ph idx="1"/>
-          </p:nvPr>
-        </p:nvPicPr>
-        <p:blipFill>
-          <a:blip r:embed="rId2"/>
-          <a:stretch>
-            <a:fillRect/>
-          </a:stretch>
-        </p:blipFill>
-        <p:spPr>
-          <a:xfrm>
-            <a:off x="582811" y="1690687"/>
-            <a:ext cx="9558716" cy="4961655"/>
-          </a:xfrm>
-          <a:prstGeom prst="rect">
-            <a:avLst/>
-          </a:prstGeom>
-        </p:spPr>
-      </p:pic>
       <p:cxnSp>
         <p:nvCxnSpPr>
           <p:cNvPr id="5" name="직선 연결선 4">
@@ -7644,6 +7618,84 @@
           <p:nvPr/>
         </p:nvPicPr>
         <p:blipFill>
+          <a:blip r:embed="rId2"/>
+          <a:stretch>
+            <a:fillRect/>
+          </a:stretch>
+        </p:blipFill>
+        <p:spPr>
+          <a:xfrm>
+            <a:off x="7792229" y="696914"/>
+            <a:ext cx="3440856" cy="788986"/>
+          </a:xfrm>
+          <a:prstGeom prst="rect">
+            <a:avLst/>
+          </a:prstGeom>
+        </p:spPr>
+      </p:pic>
+      <p:sp>
+        <p:nvSpPr>
+          <p:cNvPr id="8" name="TextBox 7">
+            <a:extLst>
+              <a:ext uri="{FF2B5EF4-FFF2-40B4-BE49-F238E27FC236}">
+                <a16:creationId xmlns:a16="http://schemas.microsoft.com/office/drawing/2014/main" id="{BCC0D443-E4F9-4114-BC8D-DB1E1D75009A}"/>
+              </a:ext>
+            </a:extLst>
+          </p:cNvPr>
+          <p:cNvSpPr txBox="1"/>
+          <p:nvPr/>
+        </p:nvSpPr>
+        <p:spPr>
+          <a:xfrm>
+            <a:off x="7792229" y="225189"/>
+            <a:ext cx="1189749" cy="369332"/>
+          </a:xfrm>
+          <a:prstGeom prst="rect">
+            <a:avLst/>
+          </a:prstGeom>
+          <a:noFill/>
+        </p:spPr>
+        <p:txBody>
+          <a:bodyPr wrap="none" rtlCol="0">
+            <a:spAutoFit/>
+          </a:bodyPr>
+          <a:lstStyle/>
+          <a:p>
+            <a:r>
+              <a:rPr lang="ko-KR" altLang="en-US" dirty="0"/>
+              <a:t>파일 이름</a:t>
+            </a:r>
+          </a:p>
+        </p:txBody>
+      </p:sp>
+      <p:sp>
+        <p:nvSpPr>
+          <p:cNvPr id="4" name="내용 개체 틀 3"/>
+          <p:cNvSpPr>
+            <a:spLocks noGrp="1"/>
+          </p:cNvSpPr>
+          <p:nvPr>
+            <p:ph idx="1"/>
+          </p:nvPr>
+        </p:nvSpPr>
+        <p:spPr/>
+        <p:txBody>
+          <a:bodyPr/>
+          <a:lstStyle/>
+          <a:p>
+            <a:endParaRPr lang="ko-KR" altLang="en-US"/>
+          </a:p>
+        </p:txBody>
+      </p:sp>
+      <p:pic>
+        <p:nvPicPr>
+          <p:cNvPr id="9" name="그림 8"/>
+          <p:cNvPicPr>
+            <a:picLocks noChangeAspect="1"/>
+          </p:cNvPicPr>
+          <p:nvPr/>
+        </p:nvPicPr>
+        <p:blipFill>
           <a:blip r:embed="rId3"/>
           <a:stretch>
             <a:fillRect/>
@@ -7651,49 +7703,14 @@
         </p:blipFill>
         <p:spPr>
           <a:xfrm>
-            <a:off x="7792229" y="696914"/>
-            <a:ext cx="3440856" cy="788986"/>
+            <a:off x="838200" y="1588293"/>
+            <a:ext cx="9363825" cy="4861002"/>
           </a:xfrm>
           <a:prstGeom prst="rect">
             <a:avLst/>
           </a:prstGeom>
         </p:spPr>
       </p:pic>
-      <p:sp>
-        <p:nvSpPr>
-          <p:cNvPr id="8" name="TextBox 7">
-            <a:extLst>
-              <a:ext uri="{FF2B5EF4-FFF2-40B4-BE49-F238E27FC236}">
-                <a16:creationId xmlns:a16="http://schemas.microsoft.com/office/drawing/2014/main" id="{BCC0D443-E4F9-4114-BC8D-DB1E1D75009A}"/>
-              </a:ext>
-            </a:extLst>
-          </p:cNvPr>
-          <p:cNvSpPr txBox="1"/>
-          <p:nvPr/>
-        </p:nvSpPr>
-        <p:spPr>
-          <a:xfrm>
-            <a:off x="7792229" y="225189"/>
-            <a:ext cx="1189749" cy="369332"/>
-          </a:xfrm>
-          <a:prstGeom prst="rect">
-            <a:avLst/>
-          </a:prstGeom>
-          <a:noFill/>
-        </p:spPr>
-        <p:txBody>
-          <a:bodyPr wrap="none" rtlCol="0">
-            <a:spAutoFit/>
-          </a:bodyPr>
-          <a:lstStyle/>
-          <a:p>
-            <a:r>
-              <a:rPr lang="ko-KR" altLang="en-US" dirty="0"/>
-              <a:t>파일 이름</a:t>
-            </a:r>
-          </a:p>
-        </p:txBody>
-      </p:sp>
     </p:spTree>
     <p:extLst>
       <p:ext uri="{BB962C8B-B14F-4D97-AF65-F5344CB8AC3E}">
